--- a/general/meetings/UGM/2011-09_caGrid-on-Lift.pptx
+++ b/general/meetings/UGM/2011-09_caGrid-on-Lift.pptx
@@ -33,10 +33,10 @@
     <p:sldId id="412" r:id="rId21"/>
     <p:sldId id="411" r:id="rId22"/>
     <p:sldId id="401" r:id="rId23"/>
-    <p:sldId id="467" r:id="rId24"/>
-    <p:sldId id="416" r:id="rId25"/>
-    <p:sldId id="433" r:id="rId26"/>
-    <p:sldId id="418" r:id="rId27"/>
+    <p:sldId id="418" r:id="rId24"/>
+    <p:sldId id="467" r:id="rId25"/>
+    <p:sldId id="416" r:id="rId26"/>
+    <p:sldId id="433" r:id="rId27"/>
     <p:sldId id="419" r:id="rId28"/>
   </p:sldIdLst>
   <p:sldSz cx="9144000" cy="6858000" type="screen4x3"/>
@@ -252,7 +252,7 @@
             <a:fld id="{41838BF4-60FD-E84E-8630-958B0CA2AF1B}" type="datetimeFigureOut">
               <a:rPr lang="en-US" smtClean="0"/>
               <a:pPr/>
-              <a:t>9/14/11</a:t>
+              <a:t>9/14/2011</a:t>
             </a:fld>
             <a:endParaRPr lang="en-US"/>
           </a:p>
@@ -328,7 +328,7 @@
     </p:spTree>
     <p:extLst>
       <p:ext uri="{BB962C8B-B14F-4D97-AF65-F5344CB8AC3E}">
-        <p14:creationId xmlns:p14="http://schemas.microsoft.com/office/powerpoint/2010/main" val="3906222930"/>
+        <p14:creationId xmlns:p14="http://schemas.microsoft.com/office/powerpoint/2010/main" xmlns="" val="3906222930"/>
       </p:ext>
     </p:extLst>
   </p:cSld>
@@ -663,7 +663,7 @@
     </p:spTree>
     <p:extLst>
       <p:ext uri="{BB962C8B-B14F-4D97-AF65-F5344CB8AC3E}">
-        <p14:creationId xmlns:p14="http://schemas.microsoft.com/office/powerpoint/2010/main" val="2966977474"/>
+        <p14:creationId xmlns:p14="http://schemas.microsoft.com/office/powerpoint/2010/main" xmlns="" val="2966977474"/>
       </p:ext>
     </p:extLst>
   </p:cSld>
@@ -932,18 +932,26 @@
           <a:p>
             <a:r>
               <a:rPr lang="en-US" dirty="0" smtClean="0"/>
-              <a:t>The</a:t>
+              <a:t>Look</a:t>
             </a:r>
             <a:r>
               <a:rPr lang="en-US" baseline="0" dirty="0" smtClean="0"/>
-              <a:t> query results are displayed like this.</a:t>
+              <a:t> at service information. </a:t>
             </a:r>
           </a:p>
           <a:p>
             <a:r>
               <a:rPr lang="en-US" baseline="0" dirty="0" smtClean="0"/>
-              <a:t>Status messages are displayed below the menu are and color coded.</a:t>
-            </a:r>
+              <a:t>Click OK to return to Home page.</a:t>
+            </a:r>
+          </a:p>
+          <a:p>
+            <a:r>
+              <a:rPr lang="en-US" baseline="0" dirty="0" smtClean="0"/>
+              <a:t>Click Query Service to query the service.</a:t>
+            </a:r>
+          </a:p>
+          <a:p>
             <a:endParaRPr lang="en-US" dirty="0"/>
           </a:p>
         </p:txBody>
@@ -971,7 +979,7 @@
               <a:pPr>
                 <a:defRPr/>
               </a:pPr>
-              <a:t>21</a:t>
+              <a:t>19</a:t>
             </a:fld>
             <a:endParaRPr lang="en-US"/>
           </a:p>
@@ -1031,6 +1039,20 @@
           </a:bodyPr>
           <a:lstStyle/>
           <a:p>
+            <a:r>
+              <a:rPr lang="en-US" dirty="0" smtClean="0"/>
+              <a:t>Click on Choose File</a:t>
+            </a:r>
+            <a:r>
+              <a:rPr lang="en-US" baseline="0" dirty="0" smtClean="0"/>
+              <a:t> to select and upload a CQL query file.</a:t>
+            </a:r>
+          </a:p>
+          <a:p>
+            <a:r>
+              <a:rPr lang="en-US" baseline="0" dirty="0" smtClean="0"/>
+              <a:t>Click on RUN Query to run the query.</a:t>
+            </a:r>
             <a:endParaRPr lang="en-US" dirty="0"/>
           </a:p>
         </p:txBody>
@@ -1058,7 +1080,7 @@
               <a:pPr>
                 <a:defRPr/>
               </a:pPr>
-              <a:t>23</a:t>
+              <a:t>20</a:t>
             </a:fld>
             <a:endParaRPr lang="en-US"/>
           </a:p>
@@ -1120,11 +1142,17 @@
           <a:p>
             <a:r>
               <a:rPr lang="en-US" dirty="0" smtClean="0"/>
-              <a:t>Ivy needs to be told where to find artifacts</a:t>
+              <a:t>The</a:t>
             </a:r>
             <a:r>
               <a:rPr lang="en-US" baseline="0" dirty="0" smtClean="0"/>
-              <a:t> implied by dependencies.  This is done by defining repositories.  The caGrid installation provides two local repositories.</a:t>
+              <a:t> query results are displayed like this.</a:t>
+            </a:r>
+          </a:p>
+          <a:p>
+            <a:r>
+              <a:rPr lang="en-US" baseline="0" dirty="0" smtClean="0"/>
+              <a:t>Status messages are displayed below the menu are and color coded.</a:t>
             </a:r>
             <a:endParaRPr lang="en-US" dirty="0"/>
           </a:p>
@@ -1153,7 +1181,7 @@
               <a:pPr>
                 <a:defRPr/>
               </a:pPr>
-              <a:t>24</a:t>
+              <a:t>21</a:t>
             </a:fld>
             <a:endParaRPr lang="en-US"/>
           </a:p>
@@ -1240,7 +1268,189 @@
               <a:pPr>
                 <a:defRPr/>
               </a:pPr>
-              <a:t>26</a:t>
+              <a:t>23</a:t>
+            </a:fld>
+            <a:endParaRPr lang="en-US"/>
+          </a:p>
+        </p:txBody>
+      </p:sp>
+    </p:spTree>
+  </p:cSld>
+  <p:clrMapOvr>
+    <a:masterClrMapping/>
+  </p:clrMapOvr>
+</p:notes>
+</file>
+
+<file path=ppt/notesSlides/notesSlide14.xml><?xml version="1.0" encoding="utf-8"?>
+<p:notes xmlns:a="http://schemas.openxmlformats.org/drawingml/2006/main" xmlns:r="http://schemas.openxmlformats.org/officeDocument/2006/relationships" xmlns:p="http://schemas.openxmlformats.org/presentationml/2006/main">
+  <p:cSld>
+    <p:spTree>
+      <p:nvGrpSpPr>
+        <p:cNvPr id="1" name=""/>
+        <p:cNvGrpSpPr/>
+        <p:nvPr/>
+      </p:nvGrpSpPr>
+      <p:grpSpPr>
+        <a:xfrm>
+          <a:off x="0" y="0"/>
+          <a:ext cx="0" cy="0"/>
+          <a:chOff x="0" y="0"/>
+          <a:chExt cx="0" cy="0"/>
+        </a:xfrm>
+      </p:grpSpPr>
+      <p:sp>
+        <p:nvSpPr>
+          <p:cNvPr id="2" name="Slide Image Placeholder 1"/>
+          <p:cNvSpPr>
+            <a:spLocks noGrp="1" noRot="1" noChangeAspect="1"/>
+          </p:cNvSpPr>
+          <p:nvPr>
+            <p:ph type="sldImg"/>
+          </p:nvPr>
+        </p:nvSpPr>
+        <p:spPr/>
+      </p:sp>
+      <p:sp>
+        <p:nvSpPr>
+          <p:cNvPr id="3" name="Notes Placeholder 2"/>
+          <p:cNvSpPr>
+            <a:spLocks noGrp="1"/>
+          </p:cNvSpPr>
+          <p:nvPr>
+            <p:ph type="body" idx="1"/>
+          </p:nvPr>
+        </p:nvSpPr>
+        <p:spPr/>
+        <p:txBody>
+          <a:bodyPr>
+            <a:normAutofit/>
+          </a:bodyPr>
+          <a:lstStyle/>
+          <a:p>
+            <a:endParaRPr lang="en-US" dirty="0"/>
+          </a:p>
+        </p:txBody>
+      </p:sp>
+      <p:sp>
+        <p:nvSpPr>
+          <p:cNvPr id="4" name="Slide Number Placeholder 3"/>
+          <p:cNvSpPr>
+            <a:spLocks noGrp="1"/>
+          </p:cNvSpPr>
+          <p:nvPr>
+            <p:ph type="sldNum" sz="quarter" idx="10"/>
+          </p:nvPr>
+        </p:nvSpPr>
+        <p:spPr/>
+        <p:txBody>
+          <a:bodyPr/>
+          <a:lstStyle/>
+          <a:p>
+            <a:pPr>
+              <a:defRPr/>
+            </a:pPr>
+            <a:fld id="{F890BC0B-3662-B040-B609-2C81DBFD7657}" type="slidenum">
+              <a:rPr lang="en-US" smtClean="0"/>
+              <a:pPr>
+                <a:defRPr/>
+              </a:pPr>
+              <a:t>24</a:t>
+            </a:fld>
+            <a:endParaRPr lang="en-US"/>
+          </a:p>
+        </p:txBody>
+      </p:sp>
+    </p:spTree>
+  </p:cSld>
+  <p:clrMapOvr>
+    <a:masterClrMapping/>
+  </p:clrMapOvr>
+</p:notes>
+</file>
+
+<file path=ppt/notesSlides/notesSlide15.xml><?xml version="1.0" encoding="utf-8"?>
+<p:notes xmlns:a="http://schemas.openxmlformats.org/drawingml/2006/main" xmlns:r="http://schemas.openxmlformats.org/officeDocument/2006/relationships" xmlns:p="http://schemas.openxmlformats.org/presentationml/2006/main">
+  <p:cSld>
+    <p:spTree>
+      <p:nvGrpSpPr>
+        <p:cNvPr id="1" name=""/>
+        <p:cNvGrpSpPr/>
+        <p:nvPr/>
+      </p:nvGrpSpPr>
+      <p:grpSpPr>
+        <a:xfrm>
+          <a:off x="0" y="0"/>
+          <a:ext cx="0" cy="0"/>
+          <a:chOff x="0" y="0"/>
+          <a:chExt cx="0" cy="0"/>
+        </a:xfrm>
+      </p:grpSpPr>
+      <p:sp>
+        <p:nvSpPr>
+          <p:cNvPr id="2" name="Slide Image Placeholder 1"/>
+          <p:cNvSpPr>
+            <a:spLocks noGrp="1" noRot="1" noChangeAspect="1"/>
+          </p:cNvSpPr>
+          <p:nvPr>
+            <p:ph type="sldImg"/>
+          </p:nvPr>
+        </p:nvSpPr>
+        <p:spPr/>
+      </p:sp>
+      <p:sp>
+        <p:nvSpPr>
+          <p:cNvPr id="3" name="Notes Placeholder 2"/>
+          <p:cNvSpPr>
+            <a:spLocks noGrp="1"/>
+          </p:cNvSpPr>
+          <p:nvPr>
+            <p:ph type="body" idx="1"/>
+          </p:nvPr>
+        </p:nvSpPr>
+        <p:spPr/>
+        <p:txBody>
+          <a:bodyPr>
+            <a:normAutofit/>
+          </a:bodyPr>
+          <a:lstStyle/>
+          <a:p>
+            <a:r>
+              <a:rPr lang="en-US" dirty="0" smtClean="0"/>
+              <a:t>Ivy needs to be told where to find artifacts</a:t>
+            </a:r>
+            <a:r>
+              <a:rPr lang="en-US" baseline="0" dirty="0" smtClean="0"/>
+              <a:t> implied by dependencies.  This is done by defining repositories.  The caGrid installation provides two local repositories.</a:t>
+            </a:r>
+            <a:endParaRPr lang="en-US" dirty="0"/>
+          </a:p>
+        </p:txBody>
+      </p:sp>
+      <p:sp>
+        <p:nvSpPr>
+          <p:cNvPr id="4" name="Slide Number Placeholder 3"/>
+          <p:cNvSpPr>
+            <a:spLocks noGrp="1"/>
+          </p:cNvSpPr>
+          <p:nvPr>
+            <p:ph type="sldNum" sz="quarter" idx="10"/>
+          </p:nvPr>
+        </p:nvSpPr>
+        <p:spPr/>
+        <p:txBody>
+          <a:bodyPr/>
+          <a:lstStyle/>
+          <a:p>
+            <a:pPr>
+              <a:defRPr/>
+            </a:pPr>
+            <a:fld id="{F890BC0B-3662-B040-B609-2C81DBFD7657}" type="slidenum">
+              <a:rPr lang="en-US" smtClean="0"/>
+              <a:pPr>
+                <a:defRPr/>
+              </a:pPr>
+              <a:t>25</a:t>
             </a:fld>
             <a:endParaRPr lang="en-US"/>
           </a:p>
@@ -1302,60 +1512,24 @@
           <a:p>
             <a:r>
               <a:rPr lang="en-US" dirty="0" smtClean="0"/>
-              <a:t>This is a definition of a private method named</a:t>
+              <a:t>Supported</a:t>
             </a:r>
             <a:r>
               <a:rPr lang="en-US" baseline="0" dirty="0" smtClean="0"/>
-              <a:t> </a:t>
-            </a:r>
-            <a:r>
-              <a:rPr lang="en-US" sz="1200" b="0" dirty="0" err="1" smtClean="0">
-                <a:latin typeface="Courier New" pitchFamily="49" charset="0"/>
-                <a:cs typeface="Courier New" pitchFamily="49" charset="0"/>
-              </a:rPr>
-              <a:t>serializeResultToHTMLTableRows</a:t>
-            </a:r>
+              <a:t> paradigms include object oriented programming, functional programming, pattern matching, actors and continuations.</a:t>
+            </a:r>
+          </a:p>
+          <a:p>
+            <a:endParaRPr lang="en-US" baseline="0" dirty="0" smtClean="0"/>
+          </a:p>
+          <a:p>
             <a:r>
               <a:rPr lang="en-US" baseline="0" dirty="0" smtClean="0"/>
-              <a:t>. It takes one argument that is a </a:t>
-            </a:r>
-            <a:r>
-              <a:rPr lang="en-US" baseline="0" dirty="0" err="1" smtClean="0"/>
-              <a:t>CQLQueryResults</a:t>
-            </a:r>
-            <a:r>
-              <a:rPr lang="en-US" baseline="0" dirty="0" smtClean="0"/>
-              <a:t> object which encapsulates the results of a CQL query. It returns a sequence of XML nodes that will be HTML used to represent the contents of the </a:t>
-            </a:r>
-            <a:r>
-              <a:rPr lang="en-US" baseline="0" dirty="0" err="1" smtClean="0"/>
-              <a:t>CQLQueryResults</a:t>
-            </a:r>
-            <a:r>
-              <a:rPr lang="en-US" baseline="0" dirty="0" smtClean="0"/>
-              <a:t> object.</a:t>
-            </a:r>
-          </a:p>
-          <a:p>
-            <a:r>
-              <a:rPr lang="en-US" baseline="0" dirty="0" smtClean="0"/>
-              <a:t>The first two lines use the caGrid API to serialize the </a:t>
-            </a:r>
-            <a:r>
-              <a:rPr lang="en-US" baseline="0" dirty="0" err="1" smtClean="0"/>
-              <a:t>CQLQueryResults</a:t>
-            </a:r>
-            <a:r>
-              <a:rPr lang="en-US" baseline="0" dirty="0" smtClean="0"/>
-              <a:t> object to a string containing its XML representation. The rest of the method uses the </a:t>
-            </a:r>
-            <a:r>
-              <a:rPr lang="en-US" baseline="0" dirty="0" err="1" smtClean="0"/>
-              <a:t>Scala</a:t>
-            </a:r>
-            <a:r>
-              <a:rPr lang="en-US" baseline="0" dirty="0" smtClean="0"/>
-              <a:t> library and XML literals to create the HTML.  A single statement processes uses a functional programming paradigm to process all of the individual results into HTML table rows.</a:t>
+              <a:t>A combination of named objects and first class methods means that there is no need for dependency injection tools such </a:t>
+            </a:r>
+            <a:r>
+              <a:rPr lang="en-US" baseline="0" smtClean="0"/>
+              <a:t>as Spring.</a:t>
             </a:r>
             <a:endParaRPr lang="en-US" dirty="0"/>
           </a:p>
@@ -1384,7 +1558,7 @@
               <a:pPr>
                 <a:defRPr/>
               </a:pPr>
-              <a:t>5</a:t>
+              <a:t>3</a:t>
             </a:fld>
             <a:endParaRPr lang="en-US"/>
           </a:p>
@@ -1444,6 +1618,23 @@
           </a:bodyPr>
           <a:lstStyle/>
           <a:p>
+            <a:r>
+              <a:rPr lang="en-US" dirty="0" smtClean="0"/>
+              <a:t>You get</a:t>
+            </a:r>
+            <a:r>
+              <a:rPr lang="en-US" baseline="0" dirty="0" smtClean="0"/>
+              <a:t> the robustness of static typing without most of the verbosity.</a:t>
+            </a:r>
+          </a:p>
+          <a:p>
+            <a:endParaRPr lang="en-US" baseline="0" dirty="0" smtClean="0"/>
+          </a:p>
+          <a:p>
+            <a:r>
+              <a:rPr lang="en-US" baseline="0" dirty="0" smtClean="0"/>
+              <a:t>Traits are similar to lisp’s mix-ins</a:t>
+            </a:r>
             <a:endParaRPr lang="en-US" dirty="0"/>
           </a:p>
         </p:txBody>
@@ -1471,7 +1662,7 @@
               <a:pPr>
                 <a:defRPr/>
               </a:pPr>
-              <a:t>6</a:t>
+              <a:t>4</a:t>
             </a:fld>
             <a:endParaRPr lang="en-US"/>
           </a:p>
@@ -1531,6 +1722,63 @@
           </a:bodyPr>
           <a:lstStyle/>
           <a:p>
+            <a:r>
+              <a:rPr lang="en-US" dirty="0" smtClean="0"/>
+              <a:t>This is a definition of a private method named</a:t>
+            </a:r>
+            <a:r>
+              <a:rPr lang="en-US" baseline="0" dirty="0" smtClean="0"/>
+              <a:t> </a:t>
+            </a:r>
+            <a:r>
+              <a:rPr lang="en-US" sz="1200" b="0" dirty="0" err="1" smtClean="0">
+                <a:latin typeface="Courier New" pitchFamily="49" charset="0"/>
+                <a:cs typeface="Courier New" pitchFamily="49" charset="0"/>
+              </a:rPr>
+              <a:t>serializeResultToHTMLTableRows</a:t>
+            </a:r>
+            <a:r>
+              <a:rPr lang="en-US" baseline="0" dirty="0" smtClean="0"/>
+              <a:t>. It takes one argument that is a </a:t>
+            </a:r>
+            <a:r>
+              <a:rPr lang="en-US" baseline="0" dirty="0" err="1" smtClean="0"/>
+              <a:t>CQLQueryResults</a:t>
+            </a:r>
+            <a:r>
+              <a:rPr lang="en-US" baseline="0" dirty="0" smtClean="0"/>
+              <a:t> object which encapsulates the results of a CQL query. It returns a sequence of XML nodes that will be HTML used to represent the contents of the </a:t>
+            </a:r>
+            <a:r>
+              <a:rPr lang="en-US" baseline="0" dirty="0" err="1" smtClean="0"/>
+              <a:t>CQLQueryResults</a:t>
+            </a:r>
+            <a:r>
+              <a:rPr lang="en-US" baseline="0" dirty="0" smtClean="0"/>
+              <a:t> object.</a:t>
+            </a:r>
+          </a:p>
+          <a:p>
+            <a:r>
+              <a:rPr lang="en-US" baseline="0" dirty="0" smtClean="0"/>
+              <a:t>The first two lines use the caGrid API to serialize the </a:t>
+            </a:r>
+            <a:r>
+              <a:rPr lang="en-US" baseline="0" dirty="0" err="1" smtClean="0"/>
+              <a:t>CQLQueryResults</a:t>
+            </a:r>
+            <a:r>
+              <a:rPr lang="en-US" baseline="0" dirty="0" smtClean="0"/>
+              <a:t> object to a string containing its XML representation. The rest of the method uses the </a:t>
+            </a:r>
+            <a:r>
+              <a:rPr lang="en-US" baseline="0" dirty="0" err="1" smtClean="0"/>
+              <a:t>Scala</a:t>
+            </a:r>
+            <a:r>
+              <a:rPr lang="en-US" baseline="0" dirty="0" smtClean="0"/>
+              <a:t> library and XML literals to create the HTML.  A single statement processes uses a functional programming paradigm to process all of the individual results into HTML table rows.</a:t>
+            </a:r>
             <a:endParaRPr lang="en-US" dirty="0"/>
           </a:p>
         </p:txBody>
@@ -1558,7 +1806,7 @@
               <a:pPr>
                 <a:defRPr/>
               </a:pPr>
-              <a:t>7</a:t>
+              <a:t>5</a:t>
             </a:fld>
             <a:endParaRPr lang="en-US"/>
           </a:p>
@@ -1645,7 +1893,7 @@
               <a:pPr>
                 <a:defRPr/>
               </a:pPr>
-              <a:t>14</a:t>
+              <a:t>6</a:t>
             </a:fld>
             <a:endParaRPr lang="en-US"/>
           </a:p>
@@ -1705,14 +1953,6 @@
           </a:bodyPr>
           <a:lstStyle/>
           <a:p>
-            <a:r>
-              <a:rPr lang="en-US" dirty="0" smtClean="0"/>
-              <a:t>Clicking</a:t>
-            </a:r>
-            <a:r>
-              <a:rPr lang="en-US" baseline="0" dirty="0" smtClean="0"/>
-              <a:t> on the OK button brings us to the service selection page.</a:t>
-            </a:r>
             <a:endParaRPr lang="en-US" dirty="0"/>
           </a:p>
         </p:txBody>
@@ -1740,7 +1980,7 @@
               <a:pPr>
                 <a:defRPr/>
               </a:pPr>
-              <a:t>17</a:t>
+              <a:t>7</a:t>
             </a:fld>
             <a:endParaRPr lang="en-US"/>
           </a:p>
@@ -1800,10 +2040,6 @@
           </a:bodyPr>
           <a:lstStyle/>
           <a:p>
-            <a:r>
-              <a:rPr lang="en-US" dirty="0" smtClean="0"/>
-              <a:t>Selecting a service and clicking OK brings us to the Service page.</a:t>
-            </a:r>
             <a:endParaRPr lang="en-US" dirty="0"/>
           </a:p>
         </p:txBody>
@@ -1831,7 +2067,7 @@
               <a:pPr>
                 <a:defRPr/>
               </a:pPr>
-              <a:t>18</a:t>
+              <a:t>14</a:t>
             </a:fld>
             <a:endParaRPr lang="en-US"/>
           </a:p>
@@ -1893,26 +2129,12 @@
           <a:p>
             <a:r>
               <a:rPr lang="en-US" dirty="0" smtClean="0"/>
-              <a:t>Look</a:t>
+              <a:t>Clicking</a:t>
             </a:r>
             <a:r>
               <a:rPr lang="en-US" baseline="0" dirty="0" smtClean="0"/>
-              <a:t> at service information. </a:t>
-            </a:r>
-          </a:p>
-          <a:p>
-            <a:r>
-              <a:rPr lang="en-US" baseline="0" dirty="0" smtClean="0"/>
-              <a:t>Click OK to return to Home page.</a:t>
-            </a:r>
-          </a:p>
-          <a:p>
-            <a:r>
-              <a:rPr lang="en-US" baseline="0" dirty="0" smtClean="0"/>
-              <a:t>Click Query Service to query the service.</a:t>
-            </a:r>
-          </a:p>
-          <a:p>
+              <a:t> on the OK button brings us to the service selection page.</a:t>
+            </a:r>
             <a:endParaRPr lang="en-US" dirty="0"/>
           </a:p>
         </p:txBody>
@@ -1940,7 +2162,7 @@
               <a:pPr>
                 <a:defRPr/>
               </a:pPr>
-              <a:t>19</a:t>
+              <a:t>17</a:t>
             </a:fld>
             <a:endParaRPr lang="en-US"/>
           </a:p>
@@ -2002,17 +2224,7 @@
           <a:p>
             <a:r>
               <a:rPr lang="en-US" dirty="0" smtClean="0"/>
-              <a:t>Click on Choose File</a:t>
-            </a:r>
-            <a:r>
-              <a:rPr lang="en-US" baseline="0" dirty="0" smtClean="0"/>
-              <a:t> to select and upload a CQL query file.</a:t>
-            </a:r>
-          </a:p>
-          <a:p>
-            <a:r>
-              <a:rPr lang="en-US" baseline="0" dirty="0" smtClean="0"/>
-              <a:t>Click on RUN Query to run the query.</a:t>
+              <a:t>Selecting a service and clicking OK brings us to the Service page.</a:t>
             </a:r>
             <a:endParaRPr lang="en-US" dirty="0"/>
           </a:p>
@@ -2041,7 +2253,7 @@
               <a:pPr>
                 <a:defRPr/>
               </a:pPr>
-              <a:t>20</a:t>
+              <a:t>18</a:t>
             </a:fld>
             <a:endParaRPr lang="en-US"/>
           </a:p>
@@ -4312,11 +4524,7 @@
           <a:p>
             <a:r>
               <a:rPr lang="en-US" dirty="0" smtClean="0"/>
-              <a:t>Mark </a:t>
-            </a:r>
-            <a:r>
-              <a:rPr lang="en-US" dirty="0" smtClean="0"/>
-              <a:t>Grand</a:t>
+              <a:t>Mark Grand</a:t>
             </a:r>
           </a:p>
           <a:p>
@@ -4324,7 +4532,6 @@
               <a:rPr lang="en-US" dirty="0" smtClean="0"/>
               <a:t>caGrid Knowledge Center</a:t>
             </a:r>
-            <a:endParaRPr lang="en-US" dirty="0" smtClean="0"/>
           </a:p>
           <a:p>
             <a:r>
@@ -4343,7 +4550,7 @@
   <p:timing>
     <p:tnLst>
       <p:par>
-        <p:cTn xmlns:p14="http://schemas.microsoft.com/office/powerpoint/2010/main" id="1" dur="indefinite" restart="never" nodeType="tmRoot"/>
+        <p:cTn id="1" dur="indefinite" restart="never" nodeType="tmRoot"/>
       </p:par>
     </p:tnLst>
   </p:timing>
@@ -5153,7 +5360,7 @@
   <p:timing>
     <p:tnLst>
       <p:par>
-        <p:cTn xmlns:p14="http://schemas.microsoft.com/office/powerpoint/2010/main" id="1" dur="indefinite" restart="never" nodeType="tmRoot"/>
+        <p:cTn id="1" dur="indefinite" restart="never" nodeType="tmRoot"/>
       </p:par>
     </p:tnLst>
   </p:timing>
@@ -5849,7 +6056,7 @@
   <p:timing>
     <p:tnLst>
       <p:par>
-        <p:cTn xmlns:p14="http://schemas.microsoft.com/office/powerpoint/2010/main" id="1" dur="indefinite" restart="never" nodeType="tmRoot"/>
+        <p:cTn id="1" dur="indefinite" restart="never" nodeType="tmRoot"/>
       </p:par>
     </p:tnLst>
   </p:timing>
@@ -7819,7 +8026,7 @@
   <p:timing>
     <p:tnLst>
       <p:par>
-        <p:cTn xmlns:p14="http://schemas.microsoft.com/office/powerpoint/2010/main" id="1" dur="indefinite" restart="never" nodeType="tmRoot"/>
+        <p:cTn id="1" dur="indefinite" restart="never" nodeType="tmRoot"/>
       </p:par>
     </p:tnLst>
   </p:timing>
@@ -7874,7 +8081,7 @@
     </p:spTree>
     <p:extLst>
       <p:ext uri="{BB962C8B-B14F-4D97-AF65-F5344CB8AC3E}">
-        <p14:creationId xmlns:p14="http://schemas.microsoft.com/office/powerpoint/2010/main" val="3592966001"/>
+        <p14:creationId xmlns:p14="http://schemas.microsoft.com/office/powerpoint/2010/main" xmlns="" val="3592966001"/>
       </p:ext>
     </p:extLst>
   </p:cSld>
@@ -7884,7 +8091,7 @@
   <p:timing>
     <p:tnLst>
       <p:par>
-        <p:cTn xmlns:p14="http://schemas.microsoft.com/office/powerpoint/2010/main" id="1" dur="indefinite" restart="never" nodeType="tmRoot"/>
+        <p:cTn id="1" dur="indefinite" restart="never" nodeType="tmRoot"/>
       </p:par>
     </p:tnLst>
   </p:timing>
@@ -8183,7 +8390,7 @@
   <p:timing>
     <p:tnLst>
       <p:par>
-        <p:cTn xmlns:p14="http://schemas.microsoft.com/office/powerpoint/2010/main" id="1" dur="indefinite" restart="never" nodeType="tmRoot"/>
+        <p:cTn id="1" dur="indefinite" restart="never" nodeType="tmRoot"/>
       </p:par>
     </p:tnLst>
   </p:timing>
@@ -8302,7 +8509,7 @@
   <p:timing>
     <p:tnLst>
       <p:par>
-        <p:cTn xmlns:p14="http://schemas.microsoft.com/office/powerpoint/2010/main" id="1" dur="indefinite" restart="never" nodeType="tmRoot"/>
+        <p:cTn id="1" dur="indefinite" restart="never" nodeType="tmRoot"/>
       </p:par>
     </p:tnLst>
   </p:timing>
@@ -8391,7 +8598,7 @@
   <p:timing>
     <p:tnLst>
       <p:par>
-        <p:cTn xmlns:p14="http://schemas.microsoft.com/office/powerpoint/2010/main" id="1" dur="indefinite" restart="never" nodeType="tmRoot"/>
+        <p:cTn id="1" dur="indefinite" restart="never" nodeType="tmRoot"/>
       </p:par>
     </p:tnLst>
   </p:timing>
@@ -8480,7 +8687,7 @@
   <p:timing>
     <p:tnLst>
       <p:par>
-        <p:cTn xmlns:p14="http://schemas.microsoft.com/office/powerpoint/2010/main" id="1" dur="indefinite" restart="never" nodeType="tmRoot"/>
+        <p:cTn id="1" dur="indefinite" restart="never" nodeType="tmRoot"/>
       </p:par>
     </p:tnLst>
   </p:timing>
@@ -8569,7 +8776,7 @@
   <p:timing>
     <p:tnLst>
       <p:par>
-        <p:cTn xmlns:p14="http://schemas.microsoft.com/office/powerpoint/2010/main" id="1" dur="indefinite" restart="never" nodeType="tmRoot"/>
+        <p:cTn id="1" dur="indefinite" restart="never" nodeType="tmRoot"/>
       </p:par>
     </p:tnLst>
   </p:timing>
@@ -8658,7 +8865,7 @@
   <p:timing>
     <p:tnLst>
       <p:par>
-        <p:cTn xmlns:p14="http://schemas.microsoft.com/office/powerpoint/2010/main" id="1" dur="indefinite" restart="never" nodeType="tmRoot"/>
+        <p:cTn id="1" dur="indefinite" restart="never" nodeType="tmRoot"/>
       </p:par>
     </p:tnLst>
   </p:timing>
@@ -8721,21 +8928,21 @@
           <a:lstStyle/>
           <a:p>
             <a:r>
-              <a:rPr lang="en-US" dirty="0" smtClean="0"/>
+              <a:rPr lang="en-US" sz="2800" dirty="0" smtClean="0"/>
               <a:t>I created a simple CaGrid client as an example of coding CaGrid web apps in </a:t>
             </a:r>
             <a:r>
-              <a:rPr lang="en-US" dirty="0" err="1" smtClean="0"/>
+              <a:rPr lang="en-US" sz="2800" dirty="0" err="1" smtClean="0"/>
               <a:t>Scala</a:t>
             </a:r>
             <a:r>
-              <a:rPr lang="en-US" dirty="0" smtClean="0"/>
+              <a:rPr lang="en-US" sz="2800" dirty="0" smtClean="0"/>
               <a:t> using the Lift framework.</a:t>
             </a:r>
           </a:p>
           <a:p>
             <a:r>
-              <a:rPr lang="en-US" dirty="0" smtClean="0"/>
+              <a:rPr lang="en-US" sz="2800" dirty="0" smtClean="0"/>
               <a:t>This presentation shows highlights of my experience.</a:t>
             </a:r>
           </a:p>
@@ -8752,7 +8959,7 @@
   <p:timing>
     <p:tnLst>
       <p:par>
-        <p:cTn xmlns:p14="http://schemas.microsoft.com/office/powerpoint/2010/main" id="1" dur="indefinite" restart="never" nodeType="tmRoot"/>
+        <p:cTn id="1" dur="indefinite" restart="never" nodeType="tmRoot"/>
       </p:par>
     </p:tnLst>
   </p:timing>
@@ -8841,7 +9048,7 @@
   <p:timing>
     <p:tnLst>
       <p:par>
-        <p:cTn xmlns:p14="http://schemas.microsoft.com/office/powerpoint/2010/main" id="1" dur="indefinite" restart="never" nodeType="tmRoot"/>
+        <p:cTn id="1" dur="indefinite" restart="never" nodeType="tmRoot"/>
       </p:par>
     </p:tnLst>
   </p:timing>
@@ -8947,7 +9154,7 @@
   <p:timing>
     <p:tnLst>
       <p:par>
-        <p:cTn xmlns:p14="http://schemas.microsoft.com/office/powerpoint/2010/main" id="1" dur="indefinite" restart="never" nodeType="tmRoot"/>
+        <p:cTn id="1" dur="indefinite" restart="never" nodeType="tmRoot"/>
       </p:par>
     </p:tnLst>
   </p:timing>
@@ -9011,19 +9218,7 @@
           <a:p>
             <a:r>
               <a:rPr lang="en-US" dirty="0" smtClean="0"/>
-              <a:t>A detailed </a:t>
-            </a:r>
-            <a:r>
-              <a:rPr lang="en-US" dirty="0" smtClean="0"/>
-              <a:t>tutorial</a:t>
-            </a:r>
-            <a:r>
-              <a:rPr lang="en-US" dirty="0" smtClean="0"/>
-              <a:t> </a:t>
-            </a:r>
-            <a:r>
-              <a:rPr lang="en-US" dirty="0" smtClean="0"/>
-              <a:t>and source code for the grid client is at</a:t>
+              <a:t>A detailed tutorial and source code for the grid client is at</a:t>
             </a:r>
             <a:br>
               <a:rPr lang="en-US" dirty="0" smtClean="0"/>
@@ -9058,7 +9253,7 @@
   <p:timing>
     <p:tnLst>
       <p:par>
-        <p:cTn xmlns:p14="http://schemas.microsoft.com/office/powerpoint/2010/main" id="1" dur="indefinite" restart="never" nodeType="tmRoot"/>
+        <p:cTn id="1" dur="indefinite" restart="never" nodeType="tmRoot"/>
       </p:par>
     </p:tnLst>
   </p:timing>
@@ -9066,6 +9261,483 @@
 </file>
 
 <file path=ppt/slides/slide23.xml><?xml version="1.0" encoding="utf-8"?>
+<p:sld xmlns:a="http://schemas.openxmlformats.org/drawingml/2006/main" xmlns:r="http://schemas.openxmlformats.org/officeDocument/2006/relationships" xmlns:p="http://schemas.openxmlformats.org/presentationml/2006/main">
+  <p:cSld>
+    <p:spTree>
+      <p:nvGrpSpPr>
+        <p:cNvPr id="1" name=""/>
+        <p:cNvGrpSpPr/>
+        <p:nvPr/>
+      </p:nvGrpSpPr>
+      <p:grpSpPr>
+        <a:xfrm>
+          <a:off x="0" y="0"/>
+          <a:ext cx="0" cy="0"/>
+          <a:chOff x="0" y="0"/>
+          <a:chExt cx="0" cy="0"/>
+        </a:xfrm>
+      </p:grpSpPr>
+      <p:sp>
+        <p:nvSpPr>
+          <p:cNvPr id="2" name="Title 1"/>
+          <p:cNvSpPr>
+            <a:spLocks noGrp="1"/>
+          </p:cNvSpPr>
+          <p:nvPr>
+            <p:ph type="title"/>
+          </p:nvPr>
+        </p:nvSpPr>
+        <p:spPr/>
+        <p:txBody>
+          <a:bodyPr/>
+          <a:lstStyle/>
+          <a:p>
+            <a:r>
+              <a:rPr lang="en-US" dirty="0" smtClean="0"/>
+              <a:t>Configuration Using Named Objects</a:t>
+            </a:r>
+            <a:endParaRPr lang="en-US" dirty="0"/>
+          </a:p>
+        </p:txBody>
+      </p:sp>
+      <p:sp>
+        <p:nvSpPr>
+          <p:cNvPr id="3" name="Content Placeholder 2"/>
+          <p:cNvSpPr>
+            <a:spLocks noGrp="1"/>
+          </p:cNvSpPr>
+          <p:nvPr>
+            <p:ph idx="1"/>
+          </p:nvPr>
+        </p:nvSpPr>
+        <p:spPr>
+          <a:xfrm>
+            <a:off x="304800" y="1371600"/>
+            <a:ext cx="8686800" cy="4953000"/>
+          </a:xfrm>
+        </p:spPr>
+        <p:txBody>
+          <a:bodyPr/>
+          <a:lstStyle/>
+          <a:p>
+            <a:r>
+              <a:rPr lang="en-US" dirty="0" smtClean="0"/>
+              <a:t>The Lift framework initializes an application by finding and instantiating a class named</a:t>
+            </a:r>
+            <a:r>
+              <a:rPr lang="en-US" b="0" dirty="0" smtClean="0"/>
+              <a:t> </a:t>
+            </a:r>
+            <a:r>
+              <a:rPr lang="en-US" b="0" dirty="0" smtClean="0">
+                <a:latin typeface="Courier New" pitchFamily="49" charset="0"/>
+                <a:cs typeface="Courier New" pitchFamily="49" charset="0"/>
+              </a:rPr>
+              <a:t>Boot</a:t>
+            </a:r>
+            <a:r>
+              <a:rPr lang="en-US" b="0" dirty="0" smtClean="0"/>
+              <a:t>.</a:t>
+            </a:r>
+          </a:p>
+          <a:p>
+            <a:pPr indent="0">
+              <a:buNone/>
+            </a:pPr>
+            <a:r>
+              <a:rPr lang="en-US" b="0" dirty="0" smtClean="0">
+                <a:solidFill>
+                  <a:srgbClr val="000000"/>
+                </a:solidFill>
+                <a:latin typeface="Courier New" pitchFamily="49" charset="0"/>
+                <a:cs typeface="Courier New" pitchFamily="49" charset="0"/>
+              </a:rPr>
+              <a:t>class Boot </a:t>
+            </a:r>
+            <a:r>
+              <a:rPr lang="en-US" b="0" dirty="0" smtClean="0">
+                <a:solidFill>
+                  <a:srgbClr val="000091"/>
+                </a:solidFill>
+                <a:latin typeface="Courier New" pitchFamily="49" charset="0"/>
+                <a:cs typeface="Courier New" pitchFamily="49" charset="0"/>
+              </a:rPr>
+              <a:t>extends</a:t>
+            </a:r>
+            <a:r>
+              <a:rPr lang="en-US" b="0" dirty="0" smtClean="0">
+                <a:solidFill>
+                  <a:srgbClr val="000000"/>
+                </a:solidFill>
+                <a:latin typeface="Courier New" pitchFamily="49" charset="0"/>
+                <a:cs typeface="Courier New" pitchFamily="49" charset="0"/>
+              </a:rPr>
+              <a:t> Bootable with Logger {</a:t>
+            </a:r>
+            <a:br>
+              <a:rPr lang="en-US" b="0" dirty="0" smtClean="0">
+                <a:solidFill>
+                  <a:srgbClr val="000000"/>
+                </a:solidFill>
+                <a:latin typeface="Courier New" pitchFamily="49" charset="0"/>
+                <a:cs typeface="Courier New" pitchFamily="49" charset="0"/>
+              </a:rPr>
+            </a:br>
+            <a:r>
+              <a:rPr lang="en-US" b="0" dirty="0" smtClean="0">
+                <a:solidFill>
+                  <a:srgbClr val="000000"/>
+                </a:solidFill>
+                <a:latin typeface="Courier New" pitchFamily="49" charset="0"/>
+                <a:cs typeface="Courier New" pitchFamily="49" charset="0"/>
+              </a:rPr>
+              <a:t> def boot {</a:t>
+            </a:r>
+            <a:br>
+              <a:rPr lang="en-US" b="0" dirty="0" smtClean="0">
+                <a:solidFill>
+                  <a:srgbClr val="000000"/>
+                </a:solidFill>
+                <a:latin typeface="Courier New" pitchFamily="49" charset="0"/>
+                <a:cs typeface="Courier New" pitchFamily="49" charset="0"/>
+              </a:rPr>
+            </a:br>
+            <a:r>
+              <a:rPr lang="en-US" b="0" dirty="0" smtClean="0">
+                <a:solidFill>
+                  <a:srgbClr val="000000"/>
+                </a:solidFill>
+                <a:latin typeface="Courier New" pitchFamily="49" charset="0"/>
+                <a:cs typeface="Courier New" pitchFamily="49" charset="0"/>
+              </a:rPr>
+              <a:t>   info(</a:t>
+            </a:r>
+            <a:r>
+              <a:rPr lang="en-US" b="0" dirty="0" smtClean="0">
+                <a:solidFill>
+                  <a:srgbClr val="009100"/>
+                </a:solidFill>
+                <a:latin typeface="Courier New" pitchFamily="49" charset="0"/>
+                <a:cs typeface="Courier New" pitchFamily="49" charset="0"/>
+              </a:rPr>
+              <a:t>"Booting up the web client service."</a:t>
+            </a:r>
+            <a:r>
+              <a:rPr lang="en-US" b="0" dirty="0" smtClean="0">
+                <a:solidFill>
+                  <a:srgbClr val="000000"/>
+                </a:solidFill>
+                <a:latin typeface="Courier New" pitchFamily="49" charset="0"/>
+                <a:cs typeface="Courier New" pitchFamily="49" charset="0"/>
+              </a:rPr>
+              <a:t>)</a:t>
+            </a:r>
+            <a:br>
+              <a:rPr lang="en-US" b="0" dirty="0" smtClean="0">
+                <a:solidFill>
+                  <a:srgbClr val="000000"/>
+                </a:solidFill>
+                <a:latin typeface="Courier New" pitchFamily="49" charset="0"/>
+                <a:cs typeface="Courier New" pitchFamily="49" charset="0"/>
+              </a:rPr>
+            </a:br>
+            <a:endParaRPr lang="en-US" b="0" dirty="0" smtClean="0">
+              <a:solidFill>
+                <a:srgbClr val="000000"/>
+              </a:solidFill>
+              <a:latin typeface="Courier New" pitchFamily="49" charset="0"/>
+              <a:cs typeface="Courier New" pitchFamily="49" charset="0"/>
+            </a:endParaRPr>
+          </a:p>
+          <a:p>
+            <a:r>
+              <a:rPr lang="en-US" dirty="0" smtClean="0">
+                <a:solidFill>
+                  <a:srgbClr val="000000"/>
+                </a:solidFill>
+              </a:rPr>
+              <a:t>Much configuration is done by calling methods of the </a:t>
+            </a:r>
+            <a:r>
+              <a:rPr lang="en-US" dirty="0" err="1" smtClean="0">
+                <a:solidFill>
+                  <a:srgbClr val="000000"/>
+                </a:solidFill>
+                <a:latin typeface="Courier New" pitchFamily="49" charset="0"/>
+                <a:cs typeface="Courier New" pitchFamily="49" charset="0"/>
+              </a:rPr>
+              <a:t>LiftRules</a:t>
+            </a:r>
+            <a:r>
+              <a:rPr lang="en-US" dirty="0" smtClean="0">
+                <a:solidFill>
+                  <a:srgbClr val="000000"/>
+                </a:solidFill>
+              </a:rPr>
+              <a:t> object.</a:t>
+            </a:r>
+            <a:r>
+              <a:rPr lang="en-US" b="0" dirty="0" smtClean="0">
+                <a:solidFill>
+                  <a:srgbClr val="000000"/>
+                </a:solidFill>
+              </a:rPr>
+              <a:t/>
+            </a:r>
+            <a:br>
+              <a:rPr lang="en-US" b="0" dirty="0" smtClean="0">
+                <a:solidFill>
+                  <a:srgbClr val="000000"/>
+                </a:solidFill>
+              </a:rPr>
+            </a:br>
+            <a:r>
+              <a:rPr lang="en-US" b="0" dirty="0" smtClean="0">
+                <a:solidFill>
+                  <a:schemeClr val="tx1">
+                    <a:lumMod val="65000"/>
+                    <a:lumOff val="35000"/>
+                  </a:schemeClr>
+                </a:solidFill>
+                <a:latin typeface="Courier New" pitchFamily="49" charset="0"/>
+                <a:cs typeface="Courier New" pitchFamily="49" charset="0"/>
+              </a:rPr>
+              <a:t>// where to search for snippets </a:t>
+            </a:r>
+            <a:r>
+              <a:rPr lang="en-US" b="0" dirty="0" err="1" smtClean="0">
+                <a:solidFill>
+                  <a:srgbClr val="000000"/>
+                </a:solidFill>
+                <a:latin typeface="Courier New" pitchFamily="49" charset="0"/>
+                <a:cs typeface="Courier New" pitchFamily="49" charset="0"/>
+              </a:rPr>
+              <a:t>LiftRules.addToPackages</a:t>
+            </a:r>
+            <a:r>
+              <a:rPr lang="en-US" b="0" dirty="0" smtClean="0">
+                <a:solidFill>
+                  <a:srgbClr val="000000"/>
+                </a:solidFill>
+                <a:latin typeface="Courier New" pitchFamily="49" charset="0"/>
+                <a:cs typeface="Courier New" pitchFamily="49" charset="0"/>
+              </a:rPr>
+              <a:t>(</a:t>
+            </a:r>
+            <a:r>
+              <a:rPr lang="en-US" b="0" dirty="0" smtClean="0">
+                <a:solidFill>
+                  <a:srgbClr val="009100"/>
+                </a:solidFill>
+                <a:latin typeface="Courier New" pitchFamily="49" charset="0"/>
+                <a:cs typeface="Courier New" pitchFamily="49" charset="0"/>
+              </a:rPr>
+              <a:t>"</a:t>
+            </a:r>
+            <a:r>
+              <a:rPr lang="en-US" b="0" dirty="0" err="1" smtClean="0">
+                <a:solidFill>
+                  <a:srgbClr val="009100"/>
+                </a:solidFill>
+                <a:latin typeface="Courier New" pitchFamily="49" charset="0"/>
+                <a:cs typeface="Courier New" pitchFamily="49" charset="0"/>
+              </a:rPr>
+              <a:t>edu.emory.cci.caGrid.liftClient</a:t>
+            </a:r>
+            <a:r>
+              <a:rPr lang="en-US" b="0" dirty="0" smtClean="0">
+                <a:solidFill>
+                  <a:srgbClr val="009100"/>
+                </a:solidFill>
+                <a:latin typeface="Courier New" pitchFamily="49" charset="0"/>
+                <a:cs typeface="Courier New" pitchFamily="49" charset="0"/>
+              </a:rPr>
+              <a:t>"</a:t>
+            </a:r>
+            <a:r>
+              <a:rPr lang="en-US" b="0" dirty="0" smtClean="0">
+                <a:solidFill>
+                  <a:srgbClr val="000000"/>
+                </a:solidFill>
+                <a:latin typeface="Courier New" pitchFamily="49" charset="0"/>
+                <a:cs typeface="Courier New" pitchFamily="49" charset="0"/>
+              </a:rPr>
+              <a:t>)</a:t>
+            </a:r>
+            <a:br>
+              <a:rPr lang="en-US" b="0" dirty="0" smtClean="0">
+                <a:solidFill>
+                  <a:srgbClr val="000000"/>
+                </a:solidFill>
+                <a:latin typeface="Courier New" pitchFamily="49" charset="0"/>
+                <a:cs typeface="Courier New" pitchFamily="49" charset="0"/>
+              </a:rPr>
+            </a:br>
+            <a:r>
+              <a:rPr lang="en-US" b="0" dirty="0" smtClean="0">
+                <a:solidFill>
+                  <a:srgbClr val="000000"/>
+                </a:solidFill>
+                <a:latin typeface="Courier New" pitchFamily="49" charset="0"/>
+                <a:cs typeface="Courier New" pitchFamily="49" charset="0"/>
+              </a:rPr>
+              <a:t/>
+            </a:r>
+            <a:br>
+              <a:rPr lang="en-US" b="0" dirty="0" smtClean="0">
+                <a:solidFill>
+                  <a:srgbClr val="000000"/>
+                </a:solidFill>
+                <a:latin typeface="Courier New" pitchFamily="49" charset="0"/>
+                <a:cs typeface="Courier New" pitchFamily="49" charset="0"/>
+              </a:rPr>
+            </a:br>
+            <a:r>
+              <a:rPr lang="en-US" b="0" dirty="0" smtClean="0">
+                <a:solidFill>
+                  <a:schemeClr val="tx1">
+                    <a:lumMod val="65000"/>
+                    <a:lumOff val="35000"/>
+                  </a:schemeClr>
+                </a:solidFill>
+                <a:latin typeface="Courier New" pitchFamily="49" charset="0"/>
+                <a:cs typeface="Courier New" pitchFamily="49" charset="0"/>
+              </a:rPr>
+              <a:t>// Use HTML5 for rendering</a:t>
+            </a:r>
+            <a:r>
+              <a:rPr lang="en-US" b="0" dirty="0" smtClean="0">
+                <a:solidFill>
+                  <a:srgbClr val="000000"/>
+                </a:solidFill>
+                <a:latin typeface="Courier New" pitchFamily="49" charset="0"/>
+                <a:cs typeface="Courier New" pitchFamily="49" charset="0"/>
+              </a:rPr>
+              <a:t/>
+            </a:r>
+            <a:br>
+              <a:rPr lang="en-US" b="0" dirty="0" smtClean="0">
+                <a:solidFill>
+                  <a:srgbClr val="000000"/>
+                </a:solidFill>
+                <a:latin typeface="Courier New" pitchFamily="49" charset="0"/>
+                <a:cs typeface="Courier New" pitchFamily="49" charset="0"/>
+              </a:rPr>
+            </a:br>
+            <a:r>
+              <a:rPr lang="en-US" b="0" dirty="0" err="1" smtClean="0">
+                <a:solidFill>
+                  <a:srgbClr val="000000"/>
+                </a:solidFill>
+                <a:latin typeface="Courier New" pitchFamily="49" charset="0"/>
+                <a:cs typeface="Courier New" pitchFamily="49" charset="0"/>
+              </a:rPr>
+              <a:t>LiftRules.htmlProperties.default.set</a:t>
+            </a:r>
+            <a:r>
+              <a:rPr lang="en-US" b="0" dirty="0" smtClean="0">
+                <a:solidFill>
+                  <a:srgbClr val="000000"/>
+                </a:solidFill>
+                <a:latin typeface="Courier New" pitchFamily="49" charset="0"/>
+                <a:cs typeface="Courier New" pitchFamily="49" charset="0"/>
+              </a:rPr>
+              <a:t>(</a:t>
+            </a:r>
+            <a:br>
+              <a:rPr lang="en-US" b="0" dirty="0" smtClean="0">
+                <a:solidFill>
+                  <a:srgbClr val="000000"/>
+                </a:solidFill>
+                <a:latin typeface="Courier New" pitchFamily="49" charset="0"/>
+                <a:cs typeface="Courier New" pitchFamily="49" charset="0"/>
+              </a:rPr>
+            </a:br>
+            <a:r>
+              <a:rPr lang="en-US" b="0" dirty="0" smtClean="0">
+                <a:solidFill>
+                  <a:srgbClr val="000000"/>
+                </a:solidFill>
+                <a:latin typeface="Courier New" pitchFamily="49" charset="0"/>
+                <a:cs typeface="Courier New" pitchFamily="49" charset="0"/>
+              </a:rPr>
+              <a:t>               (r:Req) =&gt; new Html5Properties(</a:t>
+            </a:r>
+            <a:r>
+              <a:rPr lang="en-US" b="0" dirty="0" err="1" smtClean="0">
+                <a:solidFill>
+                  <a:srgbClr val="000000"/>
+                </a:solidFill>
+                <a:latin typeface="Courier New" pitchFamily="49" charset="0"/>
+                <a:cs typeface="Courier New" pitchFamily="49" charset="0"/>
+              </a:rPr>
+              <a:t>r.userAgent</a:t>
+            </a:r>
+            <a:r>
+              <a:rPr lang="en-US" b="0" dirty="0" smtClean="0">
+                <a:solidFill>
+                  <a:srgbClr val="000000"/>
+                </a:solidFill>
+                <a:latin typeface="Courier New" pitchFamily="49" charset="0"/>
+                <a:cs typeface="Courier New" pitchFamily="49" charset="0"/>
+              </a:rPr>
+              <a:t>)) </a:t>
+            </a:r>
+            <a:r>
+              <a:rPr lang="en-US" b="0" dirty="0" smtClean="0">
+                <a:solidFill>
+                  <a:srgbClr val="000000"/>
+                </a:solidFill>
+              </a:rPr>
+              <a:t/>
+            </a:r>
+            <a:br>
+              <a:rPr lang="en-US" b="0" dirty="0" smtClean="0">
+                <a:solidFill>
+                  <a:srgbClr val="000000"/>
+                </a:solidFill>
+              </a:rPr>
+            </a:br>
+            <a:endParaRPr lang="en-US" b="0" dirty="0" smtClean="0">
+              <a:solidFill>
+                <a:srgbClr val="000000"/>
+              </a:solidFill>
+            </a:endParaRPr>
+          </a:p>
+          <a:p>
+            <a:r>
+              <a:rPr lang="en-US" dirty="0" smtClean="0">
+                <a:solidFill>
+                  <a:srgbClr val="000000"/>
+                </a:solidFill>
+              </a:rPr>
+              <a:t>This combination of named objects and first class methods avoid the need for dependency injection tools such as Spring.</a:t>
+            </a:r>
+          </a:p>
+          <a:p>
+            <a:pPr>
+              <a:buNone/>
+            </a:pPr>
+            <a:endParaRPr lang="en-US" dirty="0"/>
+          </a:p>
+        </p:txBody>
+      </p:sp>
+    </p:spTree>
+  </p:cSld>
+  <p:clrMapOvr>
+    <a:masterClrMapping/>
+  </p:clrMapOvr>
+  <p:timing>
+    <p:tnLst>
+      <p:par>
+        <p:cTn id="1" dur="indefinite" restart="never" nodeType="tmRoot"/>
+      </p:par>
+    </p:tnLst>
+  </p:timing>
+</p:sld>
+</file>
+
+<file path=ppt/slides/slide24.xml><?xml version="1.0" encoding="utf-8"?>
 <p:sld xmlns:a="http://schemas.openxmlformats.org/drawingml/2006/main" xmlns:r="http://schemas.openxmlformats.org/officeDocument/2006/relationships" xmlns:p="http://schemas.openxmlformats.org/presentationml/2006/main">
   <p:cSld>
     <p:spTree>
@@ -9992,14 +10664,14 @@
   <p:timing>
     <p:tnLst>
       <p:par>
-        <p:cTn xmlns:p14="http://schemas.microsoft.com/office/powerpoint/2010/main" id="1" dur="indefinite" restart="never" nodeType="tmRoot"/>
+        <p:cTn id="1" dur="indefinite" restart="never" nodeType="tmRoot"/>
       </p:par>
     </p:tnLst>
   </p:timing>
 </p:sld>
 </file>
 
-<file path=ppt/slides/slide24.xml><?xml version="1.0" encoding="utf-8"?>
+<file path=ppt/slides/slide25.xml><?xml version="1.0" encoding="utf-8"?>
 <p:sld xmlns:a="http://schemas.openxmlformats.org/drawingml/2006/main" xmlns:r="http://schemas.openxmlformats.org/officeDocument/2006/relationships" xmlns:p="http://schemas.openxmlformats.org/presentationml/2006/main">
   <p:cSld>
     <p:spTree>
@@ -11375,1156 +12047,7 @@
   <p:timing>
     <p:tnLst>
       <p:par>
-        <p:cTn xmlns:p14="http://schemas.microsoft.com/office/powerpoint/2010/main" id="1" dur="indefinite" restart="never" nodeType="tmRoot"/>
-      </p:par>
-    </p:tnLst>
-  </p:timing>
-</p:sld>
-</file>
-
-<file path=ppt/slides/slide25.xml><?xml version="1.0" encoding="utf-8"?>
-<p:sld xmlns:a="http://schemas.openxmlformats.org/drawingml/2006/main" xmlns:r="http://schemas.openxmlformats.org/officeDocument/2006/relationships" xmlns:p="http://schemas.openxmlformats.org/presentationml/2006/main">
-  <p:cSld>
-    <p:spTree>
-      <p:nvGrpSpPr>
-        <p:cNvPr id="1" name=""/>
-        <p:cNvGrpSpPr/>
-        <p:nvPr/>
-      </p:nvGrpSpPr>
-      <p:grpSpPr>
-        <a:xfrm>
-          <a:off x="0" y="0"/>
-          <a:ext cx="0" cy="0"/>
-          <a:chOff x="0" y="0"/>
-          <a:chExt cx="0" cy="0"/>
-        </a:xfrm>
-      </p:grpSpPr>
-      <p:sp>
-        <p:nvSpPr>
-          <p:cNvPr id="2" name="Title 1"/>
-          <p:cNvSpPr>
-            <a:spLocks noGrp="1"/>
-          </p:cNvSpPr>
-          <p:nvPr>
-            <p:ph type="title"/>
-          </p:nvPr>
-        </p:nvSpPr>
-        <p:spPr/>
-        <p:txBody>
-          <a:bodyPr/>
-          <a:lstStyle/>
-          <a:p>
-            <a:r>
-              <a:rPr lang="en-US" dirty="0" smtClean="0"/>
-              <a:t>The Type System and Pattern Matching Combine to Avoid Low-Level Bugs</a:t>
-            </a:r>
-            <a:endParaRPr lang="en-US" dirty="0"/>
-          </a:p>
-        </p:txBody>
-      </p:sp>
-      <p:sp>
-        <p:nvSpPr>
-          <p:cNvPr id="3" name="Content Placeholder 2"/>
-          <p:cNvSpPr>
-            <a:spLocks noGrp="1"/>
-          </p:cNvSpPr>
-          <p:nvPr>
-            <p:ph idx="1"/>
-          </p:nvPr>
-        </p:nvSpPr>
-        <p:spPr/>
-        <p:txBody>
-          <a:bodyPr/>
-          <a:lstStyle/>
-          <a:p>
-            <a:pPr marL="0" indent="0">
-              <a:spcBef>
-                <a:spcPts val="0"/>
-              </a:spcBef>
-              <a:buNone/>
-            </a:pPr>
-            <a:endParaRPr lang="en-US" sz="1200" b="0" dirty="0" smtClean="0">
-              <a:solidFill>
-                <a:srgbClr val="000000"/>
-              </a:solidFill>
-              <a:latin typeface="Courier New" pitchFamily="49" charset="0"/>
-              <a:cs typeface="Courier New" pitchFamily="49" charset="0"/>
-            </a:endParaRPr>
-          </a:p>
-          <a:p>
-            <a:pPr marL="0" indent="0">
-              <a:spcBef>
-                <a:spcPts val="0"/>
-              </a:spcBef>
-            </a:pPr>
-            <a:r>
-              <a:rPr lang="en-US" dirty="0" smtClean="0">
-                <a:solidFill>
-                  <a:srgbClr val="000000"/>
-                </a:solidFill>
-                <a:cs typeface="Courier New" pitchFamily="49" charset="0"/>
-              </a:rPr>
-              <a:t>Lift provides a container called box that can encapsulate a result.</a:t>
-            </a:r>
-          </a:p>
-          <a:p>
-            <a:pPr marL="0" indent="0">
-              <a:spcBef>
-                <a:spcPts val="0"/>
-              </a:spcBef>
-              <a:buNone/>
-            </a:pPr>
-            <a:r>
-              <a:rPr lang="en-US" sz="1200" b="0" dirty="0" smtClean="0">
-                <a:solidFill>
-                  <a:srgbClr val="000000"/>
-                </a:solidFill>
-                <a:latin typeface="Courier New" pitchFamily="49" charset="0"/>
-                <a:cs typeface="Courier New" pitchFamily="49" charset="0"/>
-              </a:rPr>
-              <a:t>def login(</a:t>
-            </a:r>
-            <a:r>
-              <a:rPr lang="en-US" sz="1200" b="0" dirty="0" err="1" smtClean="0">
-                <a:solidFill>
-                  <a:srgbClr val="000000"/>
-                </a:solidFill>
-                <a:latin typeface="Courier New" pitchFamily="49" charset="0"/>
-                <a:cs typeface="Courier New" pitchFamily="49" charset="0"/>
-              </a:rPr>
-              <a:t>username:</a:t>
-            </a:r>
-            <a:r>
-              <a:rPr lang="en-US" sz="1200" b="0" dirty="0" err="1" smtClean="0">
-                <a:solidFill>
-                  <a:srgbClr val="910091"/>
-                </a:solidFill>
-                <a:latin typeface="Courier New" pitchFamily="49" charset="0"/>
-                <a:cs typeface="Courier New" pitchFamily="49" charset="0"/>
-              </a:rPr>
-              <a:t>String</a:t>
-            </a:r>
-            <a:r>
-              <a:rPr lang="en-US" sz="1200" b="0" dirty="0" smtClean="0">
-                <a:solidFill>
-                  <a:srgbClr val="000000"/>
-                </a:solidFill>
-                <a:latin typeface="Courier New" pitchFamily="49" charset="0"/>
-                <a:cs typeface="Courier New" pitchFamily="49" charset="0"/>
-              </a:rPr>
-              <a:t>, </a:t>
-            </a:r>
-            <a:r>
-              <a:rPr lang="en-US" sz="1200" b="0" dirty="0" err="1" smtClean="0">
-                <a:solidFill>
-                  <a:srgbClr val="000000"/>
-                </a:solidFill>
-                <a:latin typeface="Courier New" pitchFamily="49" charset="0"/>
-                <a:cs typeface="Courier New" pitchFamily="49" charset="0"/>
-              </a:rPr>
-              <a:t>password:</a:t>
-            </a:r>
-            <a:r>
-              <a:rPr lang="en-US" sz="1200" b="0" dirty="0" err="1" smtClean="0">
-                <a:solidFill>
-                  <a:srgbClr val="910091"/>
-                </a:solidFill>
-                <a:latin typeface="Courier New" pitchFamily="49" charset="0"/>
-                <a:cs typeface="Courier New" pitchFamily="49" charset="0"/>
-              </a:rPr>
-              <a:t>String</a:t>
-            </a:r>
-            <a:r>
-              <a:rPr lang="en-US" sz="1200" b="0" dirty="0" smtClean="0">
-                <a:solidFill>
-                  <a:srgbClr val="000000"/>
-                </a:solidFill>
-                <a:latin typeface="Courier New" pitchFamily="49" charset="0"/>
-                <a:cs typeface="Courier New" pitchFamily="49" charset="0"/>
-              </a:rPr>
-              <a:t>, … ):Box[</a:t>
-            </a:r>
-            <a:r>
-              <a:rPr lang="en-US" sz="1200" b="0" dirty="0" err="1" smtClean="0">
-                <a:solidFill>
-                  <a:srgbClr val="000000"/>
-                </a:solidFill>
-                <a:latin typeface="Courier New" pitchFamily="49" charset="0"/>
-                <a:cs typeface="Courier New" pitchFamily="49" charset="0"/>
-              </a:rPr>
-              <a:t>GlobusCredential</a:t>
-            </a:r>
-            <a:r>
-              <a:rPr lang="en-US" sz="1200" b="0" dirty="0" smtClean="0">
-                <a:solidFill>
-                  <a:srgbClr val="000000"/>
-                </a:solidFill>
-                <a:latin typeface="Courier New" pitchFamily="49" charset="0"/>
-                <a:cs typeface="Courier New" pitchFamily="49" charset="0"/>
-              </a:rPr>
-              <a:t>] = {</a:t>
-            </a:r>
-            <a:br>
-              <a:rPr lang="en-US" sz="1200" b="0" dirty="0" smtClean="0">
-                <a:solidFill>
-                  <a:srgbClr val="000000"/>
-                </a:solidFill>
-                <a:latin typeface="Courier New" pitchFamily="49" charset="0"/>
-                <a:cs typeface="Courier New" pitchFamily="49" charset="0"/>
-              </a:rPr>
-            </a:br>
-            <a:r>
-              <a:rPr lang="en-US" sz="1200" b="0" dirty="0" smtClean="0">
-                <a:solidFill>
-                  <a:srgbClr val="000000"/>
-                </a:solidFill>
-                <a:latin typeface="Courier New" pitchFamily="49" charset="0"/>
-                <a:cs typeface="Courier New" pitchFamily="49" charset="0"/>
-              </a:rPr>
-              <a:t> </a:t>
-            </a:r>
-            <a:r>
-              <a:rPr lang="en-US" sz="1200" b="0" dirty="0" err="1" smtClean="0">
-                <a:solidFill>
-                  <a:srgbClr val="000000"/>
-                </a:solidFill>
-                <a:latin typeface="Courier New" pitchFamily="49" charset="0"/>
-                <a:cs typeface="Courier New" pitchFamily="49" charset="0"/>
-              </a:rPr>
-              <a:t>myCredential</a:t>
-            </a:r>
-            <a:r>
-              <a:rPr lang="en-US" sz="1200" b="0" dirty="0" smtClean="0">
-                <a:solidFill>
-                  <a:srgbClr val="000000"/>
-                </a:solidFill>
-                <a:latin typeface="Courier New" pitchFamily="49" charset="0"/>
-                <a:cs typeface="Courier New" pitchFamily="49" charset="0"/>
-              </a:rPr>
-              <a:t> = </a:t>
-            </a:r>
-            <a:r>
-              <a:rPr lang="en-US" sz="1200" b="0" dirty="0" smtClean="0">
-                <a:solidFill>
-                  <a:srgbClr val="000091"/>
-                </a:solidFill>
-                <a:latin typeface="Courier New" pitchFamily="49" charset="0"/>
-                <a:cs typeface="Courier New" pitchFamily="49" charset="0"/>
-              </a:rPr>
-              <a:t>try</a:t>
-            </a:r>
-            <a:r>
-              <a:rPr lang="en-US" sz="1200" b="0" dirty="0" smtClean="0">
-                <a:solidFill>
-                  <a:srgbClr val="000000"/>
-                </a:solidFill>
-                <a:latin typeface="Courier New" pitchFamily="49" charset="0"/>
-                <a:cs typeface="Courier New" pitchFamily="49" charset="0"/>
-              </a:rPr>
-              <a:t> {</a:t>
-            </a:r>
-            <a:br>
-              <a:rPr lang="en-US" sz="1200" b="0" dirty="0" smtClean="0">
-                <a:solidFill>
-                  <a:srgbClr val="000000"/>
-                </a:solidFill>
-                <a:latin typeface="Courier New" pitchFamily="49" charset="0"/>
-                <a:cs typeface="Courier New" pitchFamily="49" charset="0"/>
-              </a:rPr>
-            </a:br>
-            <a:r>
-              <a:rPr lang="en-US" sz="1200" b="0" dirty="0" smtClean="0">
-                <a:solidFill>
-                  <a:srgbClr val="000000"/>
-                </a:solidFill>
-                <a:latin typeface="Courier New" pitchFamily="49" charset="0"/>
-                <a:cs typeface="Courier New" pitchFamily="49" charset="0"/>
-              </a:rPr>
-              <a:t>   …</a:t>
-            </a:r>
-            <a:br>
-              <a:rPr lang="en-US" sz="1200" b="0" dirty="0" smtClean="0">
-                <a:solidFill>
-                  <a:srgbClr val="000000"/>
-                </a:solidFill>
-                <a:latin typeface="Courier New" pitchFamily="49" charset="0"/>
-                <a:cs typeface="Courier New" pitchFamily="49" charset="0"/>
-              </a:rPr>
-            </a:br>
-            <a:r>
-              <a:rPr lang="en-US" sz="1200" b="0" dirty="0" smtClean="0">
-                <a:solidFill>
-                  <a:srgbClr val="000000"/>
-                </a:solidFill>
-                <a:latin typeface="Courier New" pitchFamily="49" charset="0"/>
-                <a:cs typeface="Courier New" pitchFamily="49" charset="0"/>
-              </a:rPr>
-              <a:t>   Box( </a:t>
-            </a:r>
-            <a:r>
-              <a:rPr lang="en-US" sz="1200" b="0" dirty="0" err="1" smtClean="0">
-                <a:solidFill>
-                  <a:srgbClr val="000000"/>
-                </a:solidFill>
-                <a:latin typeface="Courier New" pitchFamily="49" charset="0"/>
-                <a:cs typeface="Courier New" pitchFamily="49" charset="0"/>
-              </a:rPr>
-              <a:t>dorian.requestUserCertificate</a:t>
-            </a:r>
-            <a:r>
-              <a:rPr lang="en-US" sz="1200" b="0" dirty="0" smtClean="0">
-                <a:solidFill>
-                  <a:srgbClr val="000000"/>
-                </a:solidFill>
-                <a:latin typeface="Courier New" pitchFamily="49" charset="0"/>
-                <a:cs typeface="Courier New" pitchFamily="49" charset="0"/>
-              </a:rPr>
-              <a:t>(</a:t>
-            </a:r>
-            <a:r>
-              <a:rPr lang="en-US" sz="1200" b="0" dirty="0" err="1" smtClean="0">
-                <a:solidFill>
-                  <a:srgbClr val="000000"/>
-                </a:solidFill>
-                <a:latin typeface="Courier New" pitchFamily="49" charset="0"/>
-                <a:cs typeface="Courier New" pitchFamily="49" charset="0"/>
-              </a:rPr>
-              <a:t>saml</a:t>
-            </a:r>
-            <a:r>
-              <a:rPr lang="en-US" sz="1200" b="0" dirty="0" smtClean="0">
-                <a:solidFill>
-                  <a:srgbClr val="000000"/>
-                </a:solidFill>
-                <a:latin typeface="Courier New" pitchFamily="49" charset="0"/>
-                <a:cs typeface="Courier New" pitchFamily="49" charset="0"/>
-              </a:rPr>
-              <a:t>, lifetime))</a:t>
-            </a:r>
-            <a:br>
-              <a:rPr lang="en-US" sz="1200" b="0" dirty="0" smtClean="0">
-                <a:solidFill>
-                  <a:srgbClr val="000000"/>
-                </a:solidFill>
-                <a:latin typeface="Courier New" pitchFamily="49" charset="0"/>
-                <a:cs typeface="Courier New" pitchFamily="49" charset="0"/>
-              </a:rPr>
-            </a:br>
-            <a:r>
-              <a:rPr lang="en-US" sz="1200" b="0" dirty="0" smtClean="0">
-                <a:solidFill>
-                  <a:srgbClr val="000000"/>
-                </a:solidFill>
-                <a:latin typeface="Courier New" pitchFamily="49" charset="0"/>
-                <a:cs typeface="Courier New" pitchFamily="49" charset="0"/>
-              </a:rPr>
-              <a:t> } </a:t>
-            </a:r>
-            <a:r>
-              <a:rPr lang="en-US" sz="1200" b="0" dirty="0" smtClean="0">
-                <a:solidFill>
-                  <a:srgbClr val="000091"/>
-                </a:solidFill>
-                <a:latin typeface="Courier New" pitchFamily="49" charset="0"/>
-                <a:cs typeface="Courier New" pitchFamily="49" charset="0"/>
-              </a:rPr>
-              <a:t>catch</a:t>
-            </a:r>
-            <a:r>
-              <a:rPr lang="en-US" sz="1200" b="0" dirty="0" smtClean="0">
-                <a:solidFill>
-                  <a:srgbClr val="000000"/>
-                </a:solidFill>
-                <a:latin typeface="Courier New" pitchFamily="49" charset="0"/>
-                <a:cs typeface="Courier New" pitchFamily="49" charset="0"/>
-              </a:rPr>
-              <a:t> {</a:t>
-            </a:r>
-            <a:br>
-              <a:rPr lang="en-US" sz="1200" b="0" dirty="0" smtClean="0">
-                <a:solidFill>
-                  <a:srgbClr val="000000"/>
-                </a:solidFill>
-                <a:latin typeface="Courier New" pitchFamily="49" charset="0"/>
-                <a:cs typeface="Courier New" pitchFamily="49" charset="0"/>
-              </a:rPr>
-            </a:br>
-            <a:r>
-              <a:rPr lang="en-US" sz="1200" b="0" dirty="0" smtClean="0">
-                <a:solidFill>
-                  <a:srgbClr val="000000"/>
-                </a:solidFill>
-                <a:latin typeface="Courier New" pitchFamily="49" charset="0"/>
-                <a:cs typeface="Courier New" pitchFamily="49" charset="0"/>
-              </a:rPr>
-              <a:t>   </a:t>
-            </a:r>
-            <a:r>
-              <a:rPr lang="en-US" sz="1200" b="0" dirty="0" smtClean="0">
-                <a:solidFill>
-                  <a:srgbClr val="000091"/>
-                </a:solidFill>
-                <a:latin typeface="Courier New" pitchFamily="49" charset="0"/>
-                <a:cs typeface="Courier New" pitchFamily="49" charset="0"/>
-              </a:rPr>
-              <a:t>case</a:t>
-            </a:r>
-            <a:r>
-              <a:rPr lang="en-US" sz="1200" b="0" dirty="0" smtClean="0">
-                <a:solidFill>
-                  <a:srgbClr val="000000"/>
-                </a:solidFill>
-                <a:latin typeface="Courier New" pitchFamily="49" charset="0"/>
-                <a:cs typeface="Courier New" pitchFamily="49" charset="0"/>
-              </a:rPr>
-              <a:t> e:Exception =&gt;</a:t>
-            </a:r>
-            <a:br>
-              <a:rPr lang="en-US" sz="1200" b="0" dirty="0" smtClean="0">
-                <a:solidFill>
-                  <a:srgbClr val="000000"/>
-                </a:solidFill>
-                <a:latin typeface="Courier New" pitchFamily="49" charset="0"/>
-                <a:cs typeface="Courier New" pitchFamily="49" charset="0"/>
-              </a:rPr>
-            </a:br>
-            <a:r>
-              <a:rPr lang="en-US" sz="1200" b="0" dirty="0" smtClean="0">
-                <a:solidFill>
-                  <a:srgbClr val="000000"/>
-                </a:solidFill>
-                <a:latin typeface="Courier New" pitchFamily="49" charset="0"/>
-                <a:cs typeface="Courier New" pitchFamily="49" charset="0"/>
-              </a:rPr>
-              <a:t>     </a:t>
-            </a:r>
-            <a:r>
-              <a:rPr lang="en-US" sz="1200" b="0" dirty="0" err="1" smtClean="0">
-                <a:solidFill>
-                  <a:srgbClr val="000000"/>
-                </a:solidFill>
-                <a:latin typeface="Courier New" pitchFamily="49" charset="0"/>
-                <a:cs typeface="Courier New" pitchFamily="49" charset="0"/>
-              </a:rPr>
-              <a:t>val</a:t>
-            </a:r>
-            <a:r>
-              <a:rPr lang="en-US" sz="1200" b="0" dirty="0" smtClean="0">
-                <a:solidFill>
-                  <a:srgbClr val="000000"/>
-                </a:solidFill>
-                <a:latin typeface="Courier New" pitchFamily="49" charset="0"/>
-                <a:cs typeface="Courier New" pitchFamily="49" charset="0"/>
-              </a:rPr>
-              <a:t> </a:t>
-            </a:r>
-            <a:r>
-              <a:rPr lang="en-US" sz="1200" b="0" dirty="0" err="1" smtClean="0">
-                <a:solidFill>
-                  <a:srgbClr val="000000"/>
-                </a:solidFill>
-                <a:latin typeface="Courier New" pitchFamily="49" charset="0"/>
-                <a:cs typeface="Courier New" pitchFamily="49" charset="0"/>
-              </a:rPr>
-              <a:t>msg</a:t>
-            </a:r>
-            <a:r>
-              <a:rPr lang="en-US" sz="1200" b="0" dirty="0" smtClean="0">
-                <a:solidFill>
-                  <a:srgbClr val="000000"/>
-                </a:solidFill>
-                <a:latin typeface="Courier New" pitchFamily="49" charset="0"/>
-                <a:cs typeface="Courier New" pitchFamily="49" charset="0"/>
-              </a:rPr>
-              <a:t> = </a:t>
-            </a:r>
-            <a:r>
-              <a:rPr lang="en-US" sz="1200" b="0" dirty="0" smtClean="0">
-                <a:solidFill>
-                  <a:srgbClr val="009100"/>
-                </a:solidFill>
-                <a:latin typeface="Courier New" pitchFamily="49" charset="0"/>
-                <a:cs typeface="Courier New" pitchFamily="49" charset="0"/>
-              </a:rPr>
-              <a:t>"Login failed“</a:t>
-            </a:r>
-            <a:br>
-              <a:rPr lang="en-US" sz="1200" b="0" dirty="0" smtClean="0">
-                <a:solidFill>
-                  <a:srgbClr val="009100"/>
-                </a:solidFill>
-                <a:latin typeface="Courier New" pitchFamily="49" charset="0"/>
-                <a:cs typeface="Courier New" pitchFamily="49" charset="0"/>
-              </a:rPr>
-            </a:br>
-            <a:r>
-              <a:rPr lang="en-US" sz="1200" b="0" dirty="0" smtClean="0">
-                <a:solidFill>
-                  <a:srgbClr val="009100"/>
-                </a:solidFill>
-                <a:latin typeface="Courier New" pitchFamily="49" charset="0"/>
-                <a:cs typeface="Courier New" pitchFamily="49" charset="0"/>
-              </a:rPr>
-              <a:t>    </a:t>
-            </a:r>
-            <a:r>
-              <a:rPr lang="en-US" sz="1200" b="0" dirty="0" smtClean="0">
-                <a:solidFill>
-                  <a:srgbClr val="000000"/>
-                </a:solidFill>
-                <a:latin typeface="Courier New" pitchFamily="49" charset="0"/>
-                <a:cs typeface="Courier New" pitchFamily="49" charset="0"/>
-              </a:rPr>
-              <a:t> error(</a:t>
-            </a:r>
-            <a:r>
-              <a:rPr lang="en-US" sz="1200" b="0" dirty="0" err="1" smtClean="0">
-                <a:solidFill>
-                  <a:srgbClr val="000000"/>
-                </a:solidFill>
-                <a:latin typeface="Courier New" pitchFamily="49" charset="0"/>
-                <a:cs typeface="Courier New" pitchFamily="49" charset="0"/>
-              </a:rPr>
-              <a:t>msg</a:t>
-            </a:r>
-            <a:r>
-              <a:rPr lang="en-US" sz="1200" b="0" dirty="0" smtClean="0">
-                <a:solidFill>
-                  <a:srgbClr val="000000"/>
-                </a:solidFill>
-                <a:latin typeface="Courier New" pitchFamily="49" charset="0"/>
-                <a:cs typeface="Courier New" pitchFamily="49" charset="0"/>
-              </a:rPr>
-              <a:t>, e)</a:t>
-            </a:r>
-            <a:br>
-              <a:rPr lang="en-US" sz="1200" b="0" dirty="0" smtClean="0">
-                <a:solidFill>
-                  <a:srgbClr val="000000"/>
-                </a:solidFill>
-                <a:latin typeface="Courier New" pitchFamily="49" charset="0"/>
-                <a:cs typeface="Courier New" pitchFamily="49" charset="0"/>
-              </a:rPr>
-            </a:br>
-            <a:r>
-              <a:rPr lang="en-US" sz="1200" b="0" dirty="0" smtClean="0">
-                <a:solidFill>
-                  <a:srgbClr val="000000"/>
-                </a:solidFill>
-                <a:latin typeface="Courier New" pitchFamily="49" charset="0"/>
-                <a:cs typeface="Courier New" pitchFamily="49" charset="0"/>
-              </a:rPr>
-              <a:t>     Failure(</a:t>
-            </a:r>
-            <a:r>
-              <a:rPr lang="en-US" sz="1200" b="0" dirty="0" err="1" smtClean="0">
-                <a:solidFill>
-                  <a:srgbClr val="000000"/>
-                </a:solidFill>
-                <a:latin typeface="Courier New" pitchFamily="49" charset="0"/>
-                <a:cs typeface="Courier New" pitchFamily="49" charset="0"/>
-              </a:rPr>
-              <a:t>msg</a:t>
-            </a:r>
-            <a:r>
-              <a:rPr lang="en-US" sz="1200" b="0" dirty="0" smtClean="0">
-                <a:solidFill>
-                  <a:srgbClr val="000000"/>
-                </a:solidFill>
-                <a:latin typeface="Courier New" pitchFamily="49" charset="0"/>
-                <a:cs typeface="Courier New" pitchFamily="49" charset="0"/>
-              </a:rPr>
-              <a:t>, Full(e), Empty)</a:t>
-            </a:r>
-            <a:br>
-              <a:rPr lang="en-US" sz="1200" b="0" dirty="0" smtClean="0">
-                <a:solidFill>
-                  <a:srgbClr val="000000"/>
-                </a:solidFill>
-                <a:latin typeface="Courier New" pitchFamily="49" charset="0"/>
-                <a:cs typeface="Courier New" pitchFamily="49" charset="0"/>
-              </a:rPr>
-            </a:br>
-            <a:r>
-              <a:rPr lang="en-US" sz="1200" b="0" dirty="0" smtClean="0">
-                <a:solidFill>
-                  <a:srgbClr val="000000"/>
-                </a:solidFill>
-                <a:latin typeface="Courier New" pitchFamily="49" charset="0"/>
-                <a:cs typeface="Courier New" pitchFamily="49" charset="0"/>
-              </a:rPr>
-              <a:t> }</a:t>
-            </a:r>
-          </a:p>
-          <a:p>
-            <a:pPr marL="0" indent="0">
-              <a:spcBef>
-                <a:spcPts val="0"/>
-              </a:spcBef>
-              <a:buNone/>
-            </a:pPr>
-            <a:r>
-              <a:rPr lang="en-US" sz="1200" b="0" dirty="0" smtClean="0">
-                <a:solidFill>
-                  <a:srgbClr val="000000"/>
-                </a:solidFill>
-                <a:latin typeface="Courier New" pitchFamily="49" charset="0"/>
-                <a:cs typeface="Courier New" pitchFamily="49" charset="0"/>
-              </a:rPr>
-              <a:t/>
-            </a:r>
-            <a:br>
-              <a:rPr lang="en-US" sz="1200" b="0" dirty="0" smtClean="0">
-                <a:solidFill>
-                  <a:srgbClr val="000000"/>
-                </a:solidFill>
-                <a:latin typeface="Courier New" pitchFamily="49" charset="0"/>
-                <a:cs typeface="Courier New" pitchFamily="49" charset="0"/>
-              </a:rPr>
-            </a:br>
-            <a:endParaRPr lang="en-US" sz="1200" b="0" dirty="0" smtClean="0">
-              <a:solidFill>
-                <a:srgbClr val="000000"/>
-              </a:solidFill>
-              <a:latin typeface="Courier New" pitchFamily="49" charset="0"/>
-              <a:cs typeface="Courier New" pitchFamily="49" charset="0"/>
-            </a:endParaRPr>
-          </a:p>
-          <a:p>
-            <a:pPr marL="0" indent="0">
-              <a:spcBef>
-                <a:spcPts val="0"/>
-              </a:spcBef>
-            </a:pPr>
-            <a:r>
-              <a:rPr lang="en-US" dirty="0" smtClean="0">
-                <a:solidFill>
-                  <a:srgbClr val="000000"/>
-                </a:solidFill>
-                <a:cs typeface="Courier New" pitchFamily="49" charset="0"/>
-              </a:rPr>
-              <a:t>Using pattern matching to get the result allows the compiler to verify that cases are covered. </a:t>
-            </a:r>
-            <a:r>
-              <a:rPr lang="en-US" sz="1200" b="0" dirty="0" smtClean="0">
-                <a:solidFill>
-                  <a:srgbClr val="000000"/>
-                </a:solidFill>
-                <a:latin typeface="Courier New" pitchFamily="49" charset="0"/>
-                <a:cs typeface="Courier New" pitchFamily="49" charset="0"/>
-              </a:rPr>
-              <a:t/>
-            </a:r>
-            <a:br>
-              <a:rPr lang="en-US" sz="1200" b="0" dirty="0" smtClean="0">
-                <a:solidFill>
-                  <a:srgbClr val="000000"/>
-                </a:solidFill>
-                <a:latin typeface="Courier New" pitchFamily="49" charset="0"/>
-                <a:cs typeface="Courier New" pitchFamily="49" charset="0"/>
-              </a:rPr>
-            </a:br>
-            <a:r>
-              <a:rPr lang="en-US" sz="1200" b="0" dirty="0" err="1" smtClean="0">
-                <a:solidFill>
-                  <a:srgbClr val="000000"/>
-                </a:solidFill>
-                <a:latin typeface="Courier New" pitchFamily="49" charset="0"/>
-                <a:cs typeface="Courier New" pitchFamily="49" charset="0"/>
-              </a:rPr>
-              <a:t>val</a:t>
-            </a:r>
-            <a:r>
-              <a:rPr lang="en-US" sz="1200" b="0" dirty="0" smtClean="0">
-                <a:solidFill>
-                  <a:srgbClr val="000000"/>
-                </a:solidFill>
-                <a:latin typeface="Courier New" pitchFamily="49" charset="0"/>
-                <a:cs typeface="Courier New" pitchFamily="49" charset="0"/>
-              </a:rPr>
-              <a:t> credentials = </a:t>
-            </a:r>
-            <a:r>
-              <a:rPr lang="en-US" sz="1200" b="0" dirty="0" err="1" smtClean="0">
-                <a:solidFill>
-                  <a:srgbClr val="000000"/>
-                </a:solidFill>
-                <a:latin typeface="Courier New" pitchFamily="49" charset="0"/>
-                <a:cs typeface="Courier New" pitchFamily="49" charset="0"/>
-              </a:rPr>
-              <a:t>CaGrid.credentials.login</a:t>
-            </a:r>
-            <a:r>
-              <a:rPr lang="en-US" sz="1200" b="0" dirty="0" smtClean="0">
-                <a:solidFill>
-                  <a:srgbClr val="000000"/>
-                </a:solidFill>
-                <a:latin typeface="Courier New" pitchFamily="49" charset="0"/>
-                <a:cs typeface="Courier New" pitchFamily="49" charset="0"/>
-              </a:rPr>
-              <a:t>(</a:t>
-            </a:r>
-            <a:r>
-              <a:rPr lang="en-US" sz="1200" b="0" dirty="0" err="1" smtClean="0">
-                <a:solidFill>
-                  <a:srgbClr val="000000"/>
-                </a:solidFill>
-                <a:latin typeface="Courier New" pitchFamily="49" charset="0"/>
-                <a:cs typeface="Courier New" pitchFamily="49" charset="0"/>
-              </a:rPr>
-              <a:t>userName.is</a:t>
-            </a:r>
-            <a:r>
-              <a:rPr lang="en-US" sz="1200" b="0" dirty="0" smtClean="0">
-                <a:solidFill>
-                  <a:srgbClr val="000000"/>
-                </a:solidFill>
-                <a:latin typeface="Courier New" pitchFamily="49" charset="0"/>
-                <a:cs typeface="Courier New" pitchFamily="49" charset="0"/>
-              </a:rPr>
-              <a:t>, </a:t>
-            </a:r>
-            <a:r>
-              <a:rPr lang="en-US" sz="1200" b="0" dirty="0" err="1" smtClean="0">
-                <a:solidFill>
-                  <a:srgbClr val="000000"/>
-                </a:solidFill>
-                <a:latin typeface="Courier New" pitchFamily="49" charset="0"/>
-                <a:cs typeface="Courier New" pitchFamily="49" charset="0"/>
-              </a:rPr>
-              <a:t>pswd</a:t>
-            </a:r>
-            <a:r>
-              <a:rPr lang="en-US" sz="1200" b="0" dirty="0" smtClean="0">
-                <a:solidFill>
-                  <a:srgbClr val="000000"/>
-                </a:solidFill>
-                <a:latin typeface="Courier New" pitchFamily="49" charset="0"/>
-                <a:cs typeface="Courier New" pitchFamily="49" charset="0"/>
-              </a:rPr>
-              <a:t>, </a:t>
-            </a:r>
-            <a:r>
-              <a:rPr lang="en-US" sz="1200" b="0" dirty="0" err="1" smtClean="0">
-                <a:solidFill>
-                  <a:srgbClr val="000000"/>
-                </a:solidFill>
-                <a:latin typeface="Courier New" pitchFamily="49" charset="0"/>
-                <a:cs typeface="Courier New" pitchFamily="49" charset="0"/>
-              </a:rPr>
-              <a:t>lifetimePeriod</a:t>
-            </a:r>
-            <a:r>
-              <a:rPr lang="en-US" sz="1200" b="0" dirty="0" smtClean="0">
-                <a:solidFill>
-                  <a:srgbClr val="000000"/>
-                </a:solidFill>
-                <a:latin typeface="Courier New" pitchFamily="49" charset="0"/>
-                <a:cs typeface="Courier New" pitchFamily="49" charset="0"/>
-              </a:rPr>
-              <a:t>)</a:t>
-            </a:r>
-            <a:br>
-              <a:rPr lang="en-US" sz="1200" b="0" dirty="0" smtClean="0">
-                <a:solidFill>
-                  <a:srgbClr val="000000"/>
-                </a:solidFill>
-                <a:latin typeface="Courier New" pitchFamily="49" charset="0"/>
-                <a:cs typeface="Courier New" pitchFamily="49" charset="0"/>
-              </a:rPr>
-            </a:br>
-            <a:r>
-              <a:rPr lang="en-US" sz="1200" b="0" dirty="0" smtClean="0">
-                <a:solidFill>
-                  <a:srgbClr val="000000"/>
-                </a:solidFill>
-                <a:latin typeface="Courier New" pitchFamily="49" charset="0"/>
-                <a:cs typeface="Courier New" pitchFamily="49" charset="0"/>
-              </a:rPr>
-              <a:t>credentials match {</a:t>
-            </a:r>
-          </a:p>
-          <a:p>
-            <a:pPr marL="0" indent="0">
-              <a:spcBef>
-                <a:spcPts val="0"/>
-              </a:spcBef>
-              <a:buNone/>
-            </a:pPr>
-            <a:r>
-              <a:rPr lang="en-US" sz="1200" b="0" dirty="0" smtClean="0">
-                <a:solidFill>
-                  <a:srgbClr val="000000"/>
-                </a:solidFill>
-                <a:latin typeface="Courier New" pitchFamily="49" charset="0"/>
-                <a:cs typeface="Courier New" pitchFamily="49" charset="0"/>
-              </a:rPr>
-              <a:t>  </a:t>
-            </a:r>
-            <a:r>
-              <a:rPr lang="en-US" sz="1200" b="0" dirty="0" smtClean="0">
-                <a:solidFill>
-                  <a:srgbClr val="000091"/>
-                </a:solidFill>
-                <a:latin typeface="Courier New" pitchFamily="49" charset="0"/>
-                <a:cs typeface="Courier New" pitchFamily="49" charset="0"/>
-              </a:rPr>
-              <a:t>case</a:t>
-            </a:r>
-            <a:r>
-              <a:rPr lang="en-US" sz="1200" b="0" dirty="0" smtClean="0">
-                <a:solidFill>
-                  <a:srgbClr val="000000"/>
-                </a:solidFill>
-                <a:latin typeface="Courier New" pitchFamily="49" charset="0"/>
-                <a:cs typeface="Courier New" pitchFamily="49" charset="0"/>
-              </a:rPr>
-              <a:t> Full(_) =&gt;</a:t>
-            </a:r>
-          </a:p>
-          <a:p>
-            <a:pPr marL="0" indent="0">
-              <a:spcBef>
-                <a:spcPts val="0"/>
-              </a:spcBef>
-              <a:buNone/>
-            </a:pPr>
-            <a:r>
-              <a:rPr lang="en-US" sz="1200" b="0" dirty="0" smtClean="0">
-                <a:solidFill>
-                  <a:srgbClr val="000000"/>
-                </a:solidFill>
-                <a:latin typeface="Courier New" pitchFamily="49" charset="0"/>
-                <a:cs typeface="Courier New" pitchFamily="49" charset="0"/>
-              </a:rPr>
-              <a:t>    </a:t>
-            </a:r>
-            <a:r>
-              <a:rPr lang="en-US" sz="1200" b="0" dirty="0" err="1" smtClean="0">
-                <a:solidFill>
-                  <a:srgbClr val="000000"/>
-                </a:solidFill>
-                <a:latin typeface="Courier New" pitchFamily="49" charset="0"/>
-                <a:cs typeface="Courier New" pitchFamily="49" charset="0"/>
-              </a:rPr>
-              <a:t>S.notice</a:t>
-            </a:r>
-            <a:r>
-              <a:rPr lang="en-US" sz="1200" b="0" dirty="0" smtClean="0">
-                <a:solidFill>
-                  <a:srgbClr val="000000"/>
-                </a:solidFill>
-                <a:latin typeface="Courier New" pitchFamily="49" charset="0"/>
-                <a:cs typeface="Courier New" pitchFamily="49" charset="0"/>
-              </a:rPr>
-              <a:t>( </a:t>
-            </a:r>
-            <a:r>
-              <a:rPr lang="en-US" sz="1200" b="0" dirty="0" smtClean="0">
-                <a:solidFill>
-                  <a:srgbClr val="009100"/>
-                </a:solidFill>
-                <a:latin typeface="Courier New" pitchFamily="49" charset="0"/>
-                <a:cs typeface="Courier New" pitchFamily="49" charset="0"/>
-              </a:rPr>
-              <a:t>"Login succeeded </a:t>
-            </a:r>
-            <a:r>
-              <a:rPr lang="en-US" sz="1200" b="0" dirty="0" smtClean="0">
-                <a:solidFill>
-                  <a:srgbClr val="000091"/>
-                </a:solidFill>
-                <a:latin typeface="Courier New" pitchFamily="49" charset="0"/>
-                <a:cs typeface="Courier New" pitchFamily="49" charset="0"/>
-              </a:rPr>
-              <a:t>for</a:t>
-            </a:r>
-            <a:r>
-              <a:rPr lang="en-US" sz="1200" b="0" dirty="0" smtClean="0">
-                <a:solidFill>
-                  <a:srgbClr val="009100"/>
-                </a:solidFill>
-                <a:latin typeface="Courier New" pitchFamily="49" charset="0"/>
-                <a:cs typeface="Courier New" pitchFamily="49" charset="0"/>
-              </a:rPr>
-              <a:t> user: "</a:t>
-            </a:r>
-            <a:r>
-              <a:rPr lang="en-US" sz="1200" b="0" dirty="0" smtClean="0">
-                <a:solidFill>
-                  <a:srgbClr val="000000"/>
-                </a:solidFill>
-                <a:latin typeface="Courier New" pitchFamily="49" charset="0"/>
-                <a:cs typeface="Courier New" pitchFamily="49" charset="0"/>
-              </a:rPr>
-              <a:t> + </a:t>
-            </a:r>
-            <a:r>
-              <a:rPr lang="en-US" sz="1200" b="0" dirty="0" err="1" smtClean="0">
-                <a:solidFill>
-                  <a:srgbClr val="000000"/>
-                </a:solidFill>
-                <a:latin typeface="Courier New" pitchFamily="49" charset="0"/>
-                <a:cs typeface="Courier New" pitchFamily="49" charset="0"/>
-              </a:rPr>
-              <a:t>userName.is</a:t>
-            </a:r>
-            <a:r>
-              <a:rPr lang="en-US" sz="1200" b="0" dirty="0" smtClean="0">
-                <a:solidFill>
-                  <a:srgbClr val="000000"/>
-                </a:solidFill>
-                <a:latin typeface="Courier New" pitchFamily="49" charset="0"/>
-                <a:cs typeface="Courier New" pitchFamily="49" charset="0"/>
-              </a:rPr>
-              <a:t> )</a:t>
-            </a:r>
-          </a:p>
-          <a:p>
-            <a:pPr marL="0" indent="0">
-              <a:spcBef>
-                <a:spcPts val="0"/>
-              </a:spcBef>
-              <a:buNone/>
-            </a:pPr>
-            <a:r>
-              <a:rPr lang="en-US" sz="1200" b="0" dirty="0" smtClean="0">
-                <a:solidFill>
-                  <a:srgbClr val="000000"/>
-                </a:solidFill>
-                <a:latin typeface="Courier New" pitchFamily="49" charset="0"/>
-                <a:cs typeface="Courier New" pitchFamily="49" charset="0"/>
-              </a:rPr>
-              <a:t>    </a:t>
-            </a:r>
-            <a:r>
-              <a:rPr lang="en-US" sz="1200" b="0" dirty="0" err="1" smtClean="0">
-                <a:solidFill>
-                  <a:srgbClr val="000000"/>
-                </a:solidFill>
-                <a:latin typeface="Courier New" pitchFamily="49" charset="0"/>
-                <a:cs typeface="Courier New" pitchFamily="49" charset="0"/>
-              </a:rPr>
-              <a:t>S.redirectTo</a:t>
-            </a:r>
-            <a:r>
-              <a:rPr lang="en-US" sz="1200" b="0" dirty="0" smtClean="0">
-                <a:solidFill>
-                  <a:srgbClr val="000000"/>
-                </a:solidFill>
-                <a:latin typeface="Courier New" pitchFamily="49" charset="0"/>
-                <a:cs typeface="Courier New" pitchFamily="49" charset="0"/>
-              </a:rPr>
-              <a:t>(</a:t>
-            </a:r>
-            <a:r>
-              <a:rPr lang="en-US" sz="1200" b="0" dirty="0" smtClean="0">
-                <a:solidFill>
-                  <a:srgbClr val="009100"/>
-                </a:solidFill>
-                <a:latin typeface="Courier New" pitchFamily="49" charset="0"/>
-                <a:cs typeface="Courier New" pitchFamily="49" charset="0"/>
-              </a:rPr>
-              <a:t>"/home“</a:t>
-            </a:r>
-            <a:r>
-              <a:rPr lang="en-US" sz="1200" b="0" dirty="0" smtClean="0">
-                <a:solidFill>
-                  <a:srgbClr val="000000"/>
-                </a:solidFill>
-                <a:latin typeface="Courier New" pitchFamily="49" charset="0"/>
-                <a:cs typeface="Courier New" pitchFamily="49" charset="0"/>
-              </a:rPr>
-              <a:t>)</a:t>
-            </a:r>
-            <a:br>
-              <a:rPr lang="en-US" sz="1200" b="0" dirty="0" smtClean="0">
-                <a:solidFill>
-                  <a:srgbClr val="000000"/>
-                </a:solidFill>
-                <a:latin typeface="Courier New" pitchFamily="49" charset="0"/>
-                <a:cs typeface="Courier New" pitchFamily="49" charset="0"/>
-              </a:rPr>
-            </a:br>
-            <a:r>
-              <a:rPr lang="en-US" sz="1200" b="0" dirty="0" smtClean="0">
-                <a:solidFill>
-                  <a:srgbClr val="000000"/>
-                </a:solidFill>
-                <a:latin typeface="Courier New" pitchFamily="49" charset="0"/>
-                <a:cs typeface="Courier New" pitchFamily="49" charset="0"/>
-              </a:rPr>
-              <a:t/>
-            </a:r>
-            <a:br>
-              <a:rPr lang="en-US" sz="1200" b="0" dirty="0" smtClean="0">
-                <a:solidFill>
-                  <a:srgbClr val="000000"/>
-                </a:solidFill>
-                <a:latin typeface="Courier New" pitchFamily="49" charset="0"/>
-                <a:cs typeface="Courier New" pitchFamily="49" charset="0"/>
-              </a:rPr>
-            </a:br>
-            <a:r>
-              <a:rPr lang="en-US" sz="1200" b="0" dirty="0" smtClean="0">
-                <a:solidFill>
-                  <a:srgbClr val="000000"/>
-                </a:solidFill>
-                <a:latin typeface="Courier New" pitchFamily="49" charset="0"/>
-                <a:cs typeface="Courier New" pitchFamily="49" charset="0"/>
-              </a:rPr>
-              <a:t>  </a:t>
-            </a:r>
-            <a:r>
-              <a:rPr lang="en-US" sz="1200" b="0" dirty="0" smtClean="0">
-                <a:solidFill>
-                  <a:srgbClr val="000091"/>
-                </a:solidFill>
-                <a:latin typeface="Courier New" pitchFamily="49" charset="0"/>
-                <a:cs typeface="Courier New" pitchFamily="49" charset="0"/>
-              </a:rPr>
-              <a:t>case</a:t>
-            </a:r>
-            <a:r>
-              <a:rPr lang="en-US" sz="1200" b="0" dirty="0" smtClean="0">
-                <a:solidFill>
-                  <a:srgbClr val="000000"/>
-                </a:solidFill>
-                <a:latin typeface="Courier New" pitchFamily="49" charset="0"/>
-                <a:cs typeface="Courier New" pitchFamily="49" charset="0"/>
-              </a:rPr>
-              <a:t> Failure(</a:t>
-            </a:r>
-            <a:r>
-              <a:rPr lang="en-US" sz="1200" b="0" dirty="0" err="1" smtClean="0">
-                <a:solidFill>
-                  <a:srgbClr val="000000"/>
-                </a:solidFill>
-                <a:latin typeface="Courier New" pitchFamily="49" charset="0"/>
-                <a:cs typeface="Courier New" pitchFamily="49" charset="0"/>
-              </a:rPr>
-              <a:t>msg</a:t>
-            </a:r>
-            <a:r>
-              <a:rPr lang="en-US" sz="1200" b="0" dirty="0" smtClean="0">
-                <a:solidFill>
-                  <a:srgbClr val="000000"/>
-                </a:solidFill>
-                <a:latin typeface="Courier New" pitchFamily="49" charset="0"/>
-                <a:cs typeface="Courier New" pitchFamily="49" charset="0"/>
-              </a:rPr>
-              <a:t>, </a:t>
-            </a:r>
-            <a:r>
-              <a:rPr lang="en-US" sz="1200" b="0" dirty="0" err="1" smtClean="0">
-                <a:solidFill>
-                  <a:srgbClr val="000000"/>
-                </a:solidFill>
-                <a:latin typeface="Courier New" pitchFamily="49" charset="0"/>
-                <a:cs typeface="Courier New" pitchFamily="49" charset="0"/>
-              </a:rPr>
-              <a:t>excp</a:t>
-            </a:r>
-            <a:r>
-              <a:rPr lang="en-US" sz="1200" b="0" dirty="0" smtClean="0">
-                <a:solidFill>
-                  <a:srgbClr val="000000"/>
-                </a:solidFill>
-                <a:latin typeface="Courier New" pitchFamily="49" charset="0"/>
-                <a:cs typeface="Courier New" pitchFamily="49" charset="0"/>
-              </a:rPr>
-              <a:t>, _) =&gt;</a:t>
-            </a:r>
-            <a:br>
-              <a:rPr lang="en-US" sz="1200" b="0" dirty="0" smtClean="0">
-                <a:solidFill>
-                  <a:srgbClr val="000000"/>
-                </a:solidFill>
-                <a:latin typeface="Courier New" pitchFamily="49" charset="0"/>
-                <a:cs typeface="Courier New" pitchFamily="49" charset="0"/>
-              </a:rPr>
-            </a:br>
-            <a:r>
-              <a:rPr lang="en-US" sz="1200" b="0" dirty="0" smtClean="0">
-                <a:solidFill>
-                  <a:srgbClr val="000000"/>
-                </a:solidFill>
-                <a:latin typeface="Courier New" pitchFamily="49" charset="0"/>
-                <a:cs typeface="Courier New" pitchFamily="49" charset="0"/>
-              </a:rPr>
-              <a:t>    </a:t>
-            </a:r>
-            <a:r>
-              <a:rPr lang="en-US" sz="1200" b="0" dirty="0" err="1" smtClean="0">
-                <a:solidFill>
-                  <a:srgbClr val="000000"/>
-                </a:solidFill>
-                <a:latin typeface="Courier New" pitchFamily="49" charset="0"/>
-                <a:cs typeface="Courier New" pitchFamily="49" charset="0"/>
-              </a:rPr>
-              <a:t>S.error</a:t>
-            </a:r>
-            <a:r>
-              <a:rPr lang="en-US" sz="1200" b="0" dirty="0" smtClean="0">
-                <a:solidFill>
-                  <a:srgbClr val="000000"/>
-                </a:solidFill>
-                <a:latin typeface="Courier New" pitchFamily="49" charset="0"/>
-                <a:cs typeface="Courier New" pitchFamily="49" charset="0"/>
-              </a:rPr>
-              <a:t>(</a:t>
-            </a:r>
-            <a:r>
-              <a:rPr lang="en-US" sz="1200" b="0" dirty="0" err="1" smtClean="0">
-                <a:solidFill>
-                  <a:srgbClr val="000000"/>
-                </a:solidFill>
-                <a:latin typeface="Courier New" pitchFamily="49" charset="0"/>
-                <a:cs typeface="Courier New" pitchFamily="49" charset="0"/>
-              </a:rPr>
-              <a:t>msg</a:t>
-            </a:r>
-            <a:r>
-              <a:rPr lang="en-US" sz="1200" b="0" dirty="0" smtClean="0">
-                <a:solidFill>
-                  <a:srgbClr val="000000"/>
-                </a:solidFill>
-                <a:latin typeface="Courier New" pitchFamily="49" charset="0"/>
-                <a:cs typeface="Courier New" pitchFamily="49" charset="0"/>
-              </a:rPr>
-              <a:t>)</a:t>
-            </a:r>
-            <a:br>
-              <a:rPr lang="en-US" sz="1200" b="0" dirty="0" smtClean="0">
-                <a:solidFill>
-                  <a:srgbClr val="000000"/>
-                </a:solidFill>
-                <a:latin typeface="Courier New" pitchFamily="49" charset="0"/>
-                <a:cs typeface="Courier New" pitchFamily="49" charset="0"/>
-              </a:rPr>
-            </a:br>
-            <a:r>
-              <a:rPr lang="en-US" sz="1200" b="0" dirty="0" smtClean="0">
-                <a:solidFill>
-                  <a:srgbClr val="000000"/>
-                </a:solidFill>
-                <a:latin typeface="Courier New" pitchFamily="49" charset="0"/>
-                <a:cs typeface="Courier New" pitchFamily="49" charset="0"/>
-              </a:rPr>
-              <a:t>}</a:t>
-            </a:r>
-          </a:p>
-        </p:txBody>
-      </p:sp>
-    </p:spTree>
-  </p:cSld>
-  <p:clrMapOvr>
-    <a:masterClrMapping/>
-  </p:clrMapOvr>
-  <p:timing>
-    <p:tnLst>
-      <p:par>
-        <p:cTn xmlns:p14="http://schemas.microsoft.com/office/powerpoint/2010/main" id="1" dur="indefinite" restart="never" nodeType="tmRoot"/>
+        <p:cTn id="1" dur="indefinite" restart="never" nodeType="tmRoot"/>
       </p:par>
     </p:tnLst>
   </p:timing>
@@ -12565,7 +12088,7 @@
           <a:p>
             <a:r>
               <a:rPr lang="en-US" dirty="0" smtClean="0"/>
-              <a:t>Configuration Using Named Objects</a:t>
+              <a:t>The Type System and Pattern Matching Combine to Avoid Low-Level Bugs</a:t>
             </a:r>
             <a:endParaRPr lang="en-US" dirty="0"/>
           </a:p>
@@ -12581,138 +12104,18 @@
             <p:ph idx="1"/>
           </p:nvPr>
         </p:nvSpPr>
-        <p:spPr>
-          <a:xfrm>
-            <a:off x="304800" y="1371600"/>
-            <a:ext cx="8686800" cy="4953000"/>
-          </a:xfrm>
-        </p:spPr>
+        <p:spPr/>
         <p:txBody>
           <a:bodyPr/>
           <a:lstStyle/>
           <a:p>
-            <a:r>
-              <a:rPr lang="en-US" dirty="0" smtClean="0"/>
-              <a:t>The Lift framework initializes an application by finding and instantiating a class named</a:t>
-            </a:r>
-            <a:r>
-              <a:rPr lang="en-US" b="0" dirty="0" smtClean="0"/>
-              <a:t> </a:t>
-            </a:r>
-            <a:r>
-              <a:rPr lang="en-US" b="0" dirty="0" smtClean="0">
-                <a:latin typeface="Courier New" pitchFamily="49" charset="0"/>
-                <a:cs typeface="Courier New" pitchFamily="49" charset="0"/>
-              </a:rPr>
-              <a:t>Boot</a:t>
-            </a:r>
-            <a:r>
-              <a:rPr lang="en-US" b="0" dirty="0" smtClean="0"/>
-              <a:t>.</a:t>
-            </a:r>
-          </a:p>
-          <a:p>
-            <a:pPr indent="0">
+            <a:pPr marL="0" indent="0">
+              <a:spcBef>
+                <a:spcPts val="0"/>
+              </a:spcBef>
               <a:buNone/>
             </a:pPr>
-            <a:r>
-              <a:rPr lang="en-US" b="0" dirty="0" smtClean="0">
-                <a:solidFill>
-                  <a:srgbClr val="000000"/>
-                </a:solidFill>
-                <a:latin typeface="Courier New" pitchFamily="49" charset="0"/>
-                <a:cs typeface="Courier New" pitchFamily="49" charset="0"/>
-              </a:rPr>
-              <a:t>class Boot </a:t>
-            </a:r>
-            <a:r>
-              <a:rPr lang="en-US" b="0" dirty="0" smtClean="0">
-                <a:solidFill>
-                  <a:srgbClr val="000091"/>
-                </a:solidFill>
-                <a:latin typeface="Courier New" pitchFamily="49" charset="0"/>
-                <a:cs typeface="Courier New" pitchFamily="49" charset="0"/>
-              </a:rPr>
-              <a:t>extends</a:t>
-            </a:r>
-            <a:r>
-              <a:rPr lang="en-US" b="0" dirty="0" smtClean="0">
-                <a:solidFill>
-                  <a:srgbClr val="000000"/>
-                </a:solidFill>
-                <a:latin typeface="Courier New" pitchFamily="49" charset="0"/>
-                <a:cs typeface="Courier New" pitchFamily="49" charset="0"/>
-              </a:rPr>
-              <a:t> Bootable with Logger {</a:t>
-            </a:r>
-            <a:br>
-              <a:rPr lang="en-US" b="0" dirty="0" smtClean="0">
-                <a:solidFill>
-                  <a:srgbClr val="000000"/>
-                </a:solidFill>
-                <a:latin typeface="Courier New" pitchFamily="49" charset="0"/>
-                <a:cs typeface="Courier New" pitchFamily="49" charset="0"/>
-              </a:rPr>
-            </a:br>
-            <a:r>
-              <a:rPr lang="en-US" b="0" dirty="0" smtClean="0">
-                <a:solidFill>
-                  <a:srgbClr val="000000"/>
-                </a:solidFill>
-                <a:latin typeface="Courier New" pitchFamily="49" charset="0"/>
-                <a:cs typeface="Courier New" pitchFamily="49" charset="0"/>
-              </a:rPr>
-              <a:t> def boot {</a:t>
-            </a:r>
-            <a:br>
-              <a:rPr lang="en-US" b="0" dirty="0" smtClean="0">
-                <a:solidFill>
-                  <a:srgbClr val="000000"/>
-                </a:solidFill>
-                <a:latin typeface="Courier New" pitchFamily="49" charset="0"/>
-                <a:cs typeface="Courier New" pitchFamily="49" charset="0"/>
-              </a:rPr>
-            </a:br>
-            <a:r>
-              <a:rPr lang="en-US" b="0" dirty="0" smtClean="0">
-                <a:solidFill>
-                  <a:srgbClr val="000000"/>
-                </a:solidFill>
-                <a:latin typeface="Courier New" pitchFamily="49" charset="0"/>
-                <a:cs typeface="Courier New" pitchFamily="49" charset="0"/>
-              </a:rPr>
-              <a:t>   info(</a:t>
-            </a:r>
-            <a:r>
-              <a:rPr lang="en-US" b="0" dirty="0" smtClean="0">
-                <a:solidFill>
-                  <a:srgbClr val="009100"/>
-                </a:solidFill>
-                <a:latin typeface="Courier New" pitchFamily="49" charset="0"/>
-                <a:cs typeface="Courier New" pitchFamily="49" charset="0"/>
-              </a:rPr>
-              <a:t>"Booting up the web client service."</a:t>
-            </a:r>
-            <a:r>
-              <a:rPr lang="en-US" b="0" dirty="0" smtClean="0">
-                <a:solidFill>
-                  <a:srgbClr val="000000"/>
-                </a:solidFill>
-                <a:latin typeface="Courier New" pitchFamily="49" charset="0"/>
-                <a:cs typeface="Courier New" pitchFamily="49" charset="0"/>
-              </a:rPr>
-              <a:t>)</a:t>
-            </a:r>
-            <a:br>
-              <a:rPr lang="en-US" b="0" dirty="0" smtClean="0">
-                <a:solidFill>
-                  <a:srgbClr val="000000"/>
-                </a:solidFill>
-                <a:latin typeface="Courier New" pitchFamily="49" charset="0"/>
-                <a:cs typeface="Courier New" pitchFamily="49" charset="0"/>
-              </a:rPr>
-            </a:br>
-            <a:endParaRPr lang="en-US" b="0" dirty="0" smtClean="0">
+            <a:endParaRPr lang="en-US" sz="1200" b="0" dirty="0" smtClean="0">
               <a:solidFill>
                 <a:srgbClr val="000000"/>
               </a:solidFill>
@@ -12721,275 +12124,1067 @@
             </a:endParaRPr>
           </a:p>
           <a:p>
+            <a:pPr marL="0" indent="0">
+              <a:spcBef>
+                <a:spcPts val="0"/>
+              </a:spcBef>
+            </a:pPr>
             <a:r>
               <a:rPr lang="en-US" dirty="0" smtClean="0">
                 <a:solidFill>
                   <a:srgbClr val="000000"/>
                 </a:solidFill>
-              </a:rPr>
-              <a:t>Much configuration is done by calling methods of the </a:t>
-            </a:r>
-            <a:r>
-              <a:rPr lang="en-US" dirty="0" err="1" smtClean="0">
-                <a:solidFill>
-                  <a:srgbClr val="000000"/>
-                </a:solidFill>
-                <a:latin typeface="Courier New" pitchFamily="49" charset="0"/>
-                <a:cs typeface="Courier New" pitchFamily="49" charset="0"/>
-              </a:rPr>
-              <a:t>LiftRules</a:t>
-            </a:r>
-            <a:r>
-              <a:rPr lang="en-US" dirty="0" smtClean="0">
-                <a:solidFill>
-                  <a:srgbClr val="000000"/>
-                </a:solidFill>
-              </a:rPr>
-              <a:t> object.</a:t>
-            </a:r>
-            <a:r>
-              <a:rPr lang="en-US" b="0" dirty="0" smtClean="0">
-                <a:solidFill>
-                  <a:srgbClr val="000000"/>
-                </a:solidFill>
+                <a:cs typeface="Courier New" pitchFamily="49" charset="0"/>
+              </a:rPr>
+              <a:t>Lift provides a container called box that can encapsulate a result.</a:t>
+            </a:r>
+          </a:p>
+          <a:p>
+            <a:pPr marL="0" indent="0">
+              <a:spcBef>
+                <a:spcPts val="0"/>
+              </a:spcBef>
+              <a:buNone/>
+            </a:pPr>
+            <a:r>
+              <a:rPr lang="en-US" sz="1200" b="0" dirty="0" smtClean="0">
+                <a:solidFill>
+                  <a:srgbClr val="000000"/>
+                </a:solidFill>
+                <a:latin typeface="Courier New" pitchFamily="49" charset="0"/>
+                <a:cs typeface="Courier New" pitchFamily="49" charset="0"/>
+              </a:rPr>
+              <a:t>def login(</a:t>
+            </a:r>
+            <a:r>
+              <a:rPr lang="en-US" sz="1200" b="0" dirty="0" err="1" smtClean="0">
+                <a:solidFill>
+                  <a:srgbClr val="000000"/>
+                </a:solidFill>
+                <a:latin typeface="Courier New" pitchFamily="49" charset="0"/>
+                <a:cs typeface="Courier New" pitchFamily="49" charset="0"/>
+              </a:rPr>
+              <a:t>username:</a:t>
+            </a:r>
+            <a:r>
+              <a:rPr lang="en-US" sz="1200" b="0" dirty="0" err="1" smtClean="0">
+                <a:solidFill>
+                  <a:srgbClr val="910091"/>
+                </a:solidFill>
+                <a:latin typeface="Courier New" pitchFamily="49" charset="0"/>
+                <a:cs typeface="Courier New" pitchFamily="49" charset="0"/>
+              </a:rPr>
+              <a:t>String</a:t>
+            </a:r>
+            <a:r>
+              <a:rPr lang="en-US" sz="1200" b="0" dirty="0" smtClean="0">
+                <a:solidFill>
+                  <a:srgbClr val="000000"/>
+                </a:solidFill>
+                <a:latin typeface="Courier New" pitchFamily="49" charset="0"/>
+                <a:cs typeface="Courier New" pitchFamily="49" charset="0"/>
+              </a:rPr>
+              <a:t>, </a:t>
+            </a:r>
+            <a:r>
+              <a:rPr lang="en-US" sz="1200" b="0" dirty="0" err="1" smtClean="0">
+                <a:solidFill>
+                  <a:srgbClr val="000000"/>
+                </a:solidFill>
+                <a:latin typeface="Courier New" pitchFamily="49" charset="0"/>
+                <a:cs typeface="Courier New" pitchFamily="49" charset="0"/>
+              </a:rPr>
+              <a:t>password:</a:t>
+            </a:r>
+            <a:r>
+              <a:rPr lang="en-US" sz="1200" b="0" dirty="0" err="1" smtClean="0">
+                <a:solidFill>
+                  <a:srgbClr val="910091"/>
+                </a:solidFill>
+                <a:latin typeface="Courier New" pitchFamily="49" charset="0"/>
+                <a:cs typeface="Courier New" pitchFamily="49" charset="0"/>
+              </a:rPr>
+              <a:t>String</a:t>
+            </a:r>
+            <a:r>
+              <a:rPr lang="en-US" sz="1200" b="0" dirty="0" smtClean="0">
+                <a:solidFill>
+                  <a:srgbClr val="000000"/>
+                </a:solidFill>
+                <a:latin typeface="Courier New" pitchFamily="49" charset="0"/>
+                <a:cs typeface="Courier New" pitchFamily="49" charset="0"/>
+              </a:rPr>
+              <a:t>, … ):Box[</a:t>
+            </a:r>
+            <a:r>
+              <a:rPr lang="en-US" sz="1200" b="0" dirty="0" err="1" smtClean="0">
+                <a:solidFill>
+                  <a:srgbClr val="000000"/>
+                </a:solidFill>
+                <a:latin typeface="Courier New" pitchFamily="49" charset="0"/>
+                <a:cs typeface="Courier New" pitchFamily="49" charset="0"/>
+              </a:rPr>
+              <a:t>GlobusCredential</a:t>
+            </a:r>
+            <a:r>
+              <a:rPr lang="en-US" sz="1200" b="0" dirty="0" smtClean="0">
+                <a:solidFill>
+                  <a:srgbClr val="000000"/>
+                </a:solidFill>
+                <a:latin typeface="Courier New" pitchFamily="49" charset="0"/>
+                <a:cs typeface="Courier New" pitchFamily="49" charset="0"/>
+              </a:rPr>
+              <a:t>] = {</a:t>
+            </a:r>
+            <a:br>
+              <a:rPr lang="en-US" sz="1200" b="0" dirty="0" smtClean="0">
+                <a:solidFill>
+                  <a:srgbClr val="000000"/>
+                </a:solidFill>
+                <a:latin typeface="Courier New" pitchFamily="49" charset="0"/>
+                <a:cs typeface="Courier New" pitchFamily="49" charset="0"/>
+              </a:rPr>
+            </a:br>
+            <a:r>
+              <a:rPr lang="en-US" sz="1200" b="0" dirty="0" smtClean="0">
+                <a:solidFill>
+                  <a:srgbClr val="000000"/>
+                </a:solidFill>
+                <a:latin typeface="Courier New" pitchFamily="49" charset="0"/>
+                <a:cs typeface="Courier New" pitchFamily="49" charset="0"/>
+              </a:rPr>
+              <a:t> </a:t>
+            </a:r>
+            <a:r>
+              <a:rPr lang="en-US" sz="1200" b="0" dirty="0" err="1" smtClean="0">
+                <a:solidFill>
+                  <a:srgbClr val="000000"/>
+                </a:solidFill>
+                <a:latin typeface="Courier New" pitchFamily="49" charset="0"/>
+                <a:cs typeface="Courier New" pitchFamily="49" charset="0"/>
+              </a:rPr>
+              <a:t>myCredential</a:t>
+            </a:r>
+            <a:r>
+              <a:rPr lang="en-US" sz="1200" b="0" dirty="0" smtClean="0">
+                <a:solidFill>
+                  <a:srgbClr val="000000"/>
+                </a:solidFill>
+                <a:latin typeface="Courier New" pitchFamily="49" charset="0"/>
+                <a:cs typeface="Courier New" pitchFamily="49" charset="0"/>
+              </a:rPr>
+              <a:t> = </a:t>
+            </a:r>
+            <a:r>
+              <a:rPr lang="en-US" sz="1200" b="0" dirty="0" smtClean="0">
+                <a:solidFill>
+                  <a:srgbClr val="000091"/>
+                </a:solidFill>
+                <a:latin typeface="Courier New" pitchFamily="49" charset="0"/>
+                <a:cs typeface="Courier New" pitchFamily="49" charset="0"/>
+              </a:rPr>
+              <a:t>try</a:t>
+            </a:r>
+            <a:r>
+              <a:rPr lang="en-US" sz="1200" b="0" dirty="0" smtClean="0">
+                <a:solidFill>
+                  <a:srgbClr val="000000"/>
+                </a:solidFill>
+                <a:latin typeface="Courier New" pitchFamily="49" charset="0"/>
+                <a:cs typeface="Courier New" pitchFamily="49" charset="0"/>
+              </a:rPr>
+              <a:t> {</a:t>
+            </a:r>
+            <a:br>
+              <a:rPr lang="en-US" sz="1200" b="0" dirty="0" smtClean="0">
+                <a:solidFill>
+                  <a:srgbClr val="000000"/>
+                </a:solidFill>
+                <a:latin typeface="Courier New" pitchFamily="49" charset="0"/>
+                <a:cs typeface="Courier New" pitchFamily="49" charset="0"/>
+              </a:rPr>
+            </a:br>
+            <a:r>
+              <a:rPr lang="en-US" sz="1200" b="0" dirty="0" smtClean="0">
+                <a:solidFill>
+                  <a:srgbClr val="000000"/>
+                </a:solidFill>
+                <a:latin typeface="Courier New" pitchFamily="49" charset="0"/>
+                <a:cs typeface="Courier New" pitchFamily="49" charset="0"/>
+              </a:rPr>
+              <a:t>   …</a:t>
+            </a:r>
+            <a:br>
+              <a:rPr lang="en-US" sz="1200" b="0" dirty="0" smtClean="0">
+                <a:solidFill>
+                  <a:srgbClr val="000000"/>
+                </a:solidFill>
+                <a:latin typeface="Courier New" pitchFamily="49" charset="0"/>
+                <a:cs typeface="Courier New" pitchFamily="49" charset="0"/>
+              </a:rPr>
+            </a:br>
+            <a:r>
+              <a:rPr lang="en-US" sz="1200" b="0" dirty="0" smtClean="0">
+                <a:solidFill>
+                  <a:srgbClr val="000000"/>
+                </a:solidFill>
+                <a:latin typeface="Courier New" pitchFamily="49" charset="0"/>
+                <a:cs typeface="Courier New" pitchFamily="49" charset="0"/>
+              </a:rPr>
+              <a:t>   Box( </a:t>
+            </a:r>
+            <a:r>
+              <a:rPr lang="en-US" sz="1200" b="0" dirty="0" err="1" smtClean="0">
+                <a:solidFill>
+                  <a:srgbClr val="000000"/>
+                </a:solidFill>
+                <a:latin typeface="Courier New" pitchFamily="49" charset="0"/>
+                <a:cs typeface="Courier New" pitchFamily="49" charset="0"/>
+              </a:rPr>
+              <a:t>dorian.requestUserCertificate</a:t>
+            </a:r>
+            <a:r>
+              <a:rPr lang="en-US" sz="1200" b="0" dirty="0" smtClean="0">
+                <a:solidFill>
+                  <a:srgbClr val="000000"/>
+                </a:solidFill>
+                <a:latin typeface="Courier New" pitchFamily="49" charset="0"/>
+                <a:cs typeface="Courier New" pitchFamily="49" charset="0"/>
+              </a:rPr>
+              <a:t>(</a:t>
+            </a:r>
+            <a:r>
+              <a:rPr lang="en-US" sz="1200" b="0" dirty="0" err="1" smtClean="0">
+                <a:solidFill>
+                  <a:srgbClr val="000000"/>
+                </a:solidFill>
+                <a:latin typeface="Courier New" pitchFamily="49" charset="0"/>
+                <a:cs typeface="Courier New" pitchFamily="49" charset="0"/>
+              </a:rPr>
+              <a:t>saml</a:t>
+            </a:r>
+            <a:r>
+              <a:rPr lang="en-US" sz="1200" b="0" dirty="0" smtClean="0">
+                <a:solidFill>
+                  <a:srgbClr val="000000"/>
+                </a:solidFill>
+                <a:latin typeface="Courier New" pitchFamily="49" charset="0"/>
+                <a:cs typeface="Courier New" pitchFamily="49" charset="0"/>
+              </a:rPr>
+              <a:t>, lifetime))</a:t>
+            </a:r>
+            <a:br>
+              <a:rPr lang="en-US" sz="1200" b="0" dirty="0" smtClean="0">
+                <a:solidFill>
+                  <a:srgbClr val="000000"/>
+                </a:solidFill>
+                <a:latin typeface="Courier New" pitchFamily="49" charset="0"/>
+                <a:cs typeface="Courier New" pitchFamily="49" charset="0"/>
+              </a:rPr>
+            </a:br>
+            <a:r>
+              <a:rPr lang="en-US" sz="1200" b="0" dirty="0" smtClean="0">
+                <a:solidFill>
+                  <a:srgbClr val="000000"/>
+                </a:solidFill>
+                <a:latin typeface="Courier New" pitchFamily="49" charset="0"/>
+                <a:cs typeface="Courier New" pitchFamily="49" charset="0"/>
+              </a:rPr>
+              <a:t> } </a:t>
+            </a:r>
+            <a:r>
+              <a:rPr lang="en-US" sz="1200" b="0" dirty="0" smtClean="0">
+                <a:solidFill>
+                  <a:srgbClr val="000091"/>
+                </a:solidFill>
+                <a:latin typeface="Courier New" pitchFamily="49" charset="0"/>
+                <a:cs typeface="Courier New" pitchFamily="49" charset="0"/>
+              </a:rPr>
+              <a:t>catch</a:t>
+            </a:r>
+            <a:r>
+              <a:rPr lang="en-US" sz="1200" b="0" dirty="0" smtClean="0">
+                <a:solidFill>
+                  <a:srgbClr val="000000"/>
+                </a:solidFill>
+                <a:latin typeface="Courier New" pitchFamily="49" charset="0"/>
+                <a:cs typeface="Courier New" pitchFamily="49" charset="0"/>
+              </a:rPr>
+              <a:t> {</a:t>
+            </a:r>
+            <a:br>
+              <a:rPr lang="en-US" sz="1200" b="0" dirty="0" smtClean="0">
+                <a:solidFill>
+                  <a:srgbClr val="000000"/>
+                </a:solidFill>
+                <a:latin typeface="Courier New" pitchFamily="49" charset="0"/>
+                <a:cs typeface="Courier New" pitchFamily="49" charset="0"/>
+              </a:rPr>
+            </a:br>
+            <a:r>
+              <a:rPr lang="en-US" sz="1200" b="0" dirty="0" smtClean="0">
+                <a:solidFill>
+                  <a:srgbClr val="000000"/>
+                </a:solidFill>
+                <a:latin typeface="Courier New" pitchFamily="49" charset="0"/>
+                <a:cs typeface="Courier New" pitchFamily="49" charset="0"/>
+              </a:rPr>
+              <a:t>   </a:t>
+            </a:r>
+            <a:r>
+              <a:rPr lang="en-US" sz="1200" b="0" dirty="0" smtClean="0">
+                <a:solidFill>
+                  <a:srgbClr val="000091"/>
+                </a:solidFill>
+                <a:latin typeface="Courier New" pitchFamily="49" charset="0"/>
+                <a:cs typeface="Courier New" pitchFamily="49" charset="0"/>
+              </a:rPr>
+              <a:t>case</a:t>
+            </a:r>
+            <a:r>
+              <a:rPr lang="en-US" sz="1200" b="0" dirty="0" smtClean="0">
+                <a:solidFill>
+                  <a:srgbClr val="000000"/>
+                </a:solidFill>
+                <a:latin typeface="Courier New" pitchFamily="49" charset="0"/>
+                <a:cs typeface="Courier New" pitchFamily="49" charset="0"/>
+              </a:rPr>
+              <a:t> e:Exception =&gt;</a:t>
+            </a:r>
+            <a:br>
+              <a:rPr lang="en-US" sz="1200" b="0" dirty="0" smtClean="0">
+                <a:solidFill>
+                  <a:srgbClr val="000000"/>
+                </a:solidFill>
+                <a:latin typeface="Courier New" pitchFamily="49" charset="0"/>
+                <a:cs typeface="Courier New" pitchFamily="49" charset="0"/>
+              </a:rPr>
+            </a:br>
+            <a:r>
+              <a:rPr lang="en-US" sz="1200" b="0" dirty="0" smtClean="0">
+                <a:solidFill>
+                  <a:srgbClr val="000000"/>
+                </a:solidFill>
+                <a:latin typeface="Courier New" pitchFamily="49" charset="0"/>
+                <a:cs typeface="Courier New" pitchFamily="49" charset="0"/>
+              </a:rPr>
+              <a:t>     </a:t>
+            </a:r>
+            <a:r>
+              <a:rPr lang="en-US" sz="1200" b="0" dirty="0" err="1" smtClean="0">
+                <a:solidFill>
+                  <a:srgbClr val="000000"/>
+                </a:solidFill>
+                <a:latin typeface="Courier New" pitchFamily="49" charset="0"/>
+                <a:cs typeface="Courier New" pitchFamily="49" charset="0"/>
+              </a:rPr>
+              <a:t>val</a:t>
+            </a:r>
+            <a:r>
+              <a:rPr lang="en-US" sz="1200" b="0" dirty="0" smtClean="0">
+                <a:solidFill>
+                  <a:srgbClr val="000000"/>
+                </a:solidFill>
+                <a:latin typeface="Courier New" pitchFamily="49" charset="0"/>
+                <a:cs typeface="Courier New" pitchFamily="49" charset="0"/>
+              </a:rPr>
+              <a:t> </a:t>
+            </a:r>
+            <a:r>
+              <a:rPr lang="en-US" sz="1200" b="0" dirty="0" err="1" smtClean="0">
+                <a:solidFill>
+                  <a:srgbClr val="000000"/>
+                </a:solidFill>
+                <a:latin typeface="Courier New" pitchFamily="49" charset="0"/>
+                <a:cs typeface="Courier New" pitchFamily="49" charset="0"/>
+              </a:rPr>
+              <a:t>msg</a:t>
+            </a:r>
+            <a:r>
+              <a:rPr lang="en-US" sz="1200" b="0" dirty="0" smtClean="0">
+                <a:solidFill>
+                  <a:srgbClr val="000000"/>
+                </a:solidFill>
+                <a:latin typeface="Courier New" pitchFamily="49" charset="0"/>
+                <a:cs typeface="Courier New" pitchFamily="49" charset="0"/>
+              </a:rPr>
+              <a:t> = </a:t>
+            </a:r>
+            <a:r>
+              <a:rPr lang="en-US" sz="1200" b="0" dirty="0" smtClean="0">
+                <a:solidFill>
+                  <a:srgbClr val="009100"/>
+                </a:solidFill>
+                <a:latin typeface="Courier New" pitchFamily="49" charset="0"/>
+                <a:cs typeface="Courier New" pitchFamily="49" charset="0"/>
+              </a:rPr>
+              <a:t>"Login failed“</a:t>
+            </a:r>
+            <a:br>
+              <a:rPr lang="en-US" sz="1200" b="0" dirty="0" smtClean="0">
+                <a:solidFill>
+                  <a:srgbClr val="009100"/>
+                </a:solidFill>
+                <a:latin typeface="Courier New" pitchFamily="49" charset="0"/>
+                <a:cs typeface="Courier New" pitchFamily="49" charset="0"/>
+              </a:rPr>
+            </a:br>
+            <a:r>
+              <a:rPr lang="en-US" sz="1200" b="0" dirty="0" smtClean="0">
+                <a:solidFill>
+                  <a:srgbClr val="009100"/>
+                </a:solidFill>
+                <a:latin typeface="Courier New" pitchFamily="49" charset="0"/>
+                <a:cs typeface="Courier New" pitchFamily="49" charset="0"/>
+              </a:rPr>
+              <a:t>    </a:t>
+            </a:r>
+            <a:r>
+              <a:rPr lang="en-US" sz="1200" b="0" dirty="0" smtClean="0">
+                <a:solidFill>
+                  <a:srgbClr val="000000"/>
+                </a:solidFill>
+                <a:latin typeface="Courier New" pitchFamily="49" charset="0"/>
+                <a:cs typeface="Courier New" pitchFamily="49" charset="0"/>
+              </a:rPr>
+              <a:t> error(</a:t>
+            </a:r>
+            <a:r>
+              <a:rPr lang="en-US" sz="1200" b="0" dirty="0" err="1" smtClean="0">
+                <a:solidFill>
+                  <a:srgbClr val="000000"/>
+                </a:solidFill>
+                <a:latin typeface="Courier New" pitchFamily="49" charset="0"/>
+                <a:cs typeface="Courier New" pitchFamily="49" charset="0"/>
+              </a:rPr>
+              <a:t>msg</a:t>
+            </a:r>
+            <a:r>
+              <a:rPr lang="en-US" sz="1200" b="0" dirty="0" smtClean="0">
+                <a:solidFill>
+                  <a:srgbClr val="000000"/>
+                </a:solidFill>
+                <a:latin typeface="Courier New" pitchFamily="49" charset="0"/>
+                <a:cs typeface="Courier New" pitchFamily="49" charset="0"/>
+              </a:rPr>
+              <a:t>, e)</a:t>
+            </a:r>
+            <a:br>
+              <a:rPr lang="en-US" sz="1200" b="0" dirty="0" smtClean="0">
+                <a:solidFill>
+                  <a:srgbClr val="000000"/>
+                </a:solidFill>
+                <a:latin typeface="Courier New" pitchFamily="49" charset="0"/>
+                <a:cs typeface="Courier New" pitchFamily="49" charset="0"/>
+              </a:rPr>
+            </a:br>
+            <a:r>
+              <a:rPr lang="en-US" sz="1200" b="0" dirty="0" smtClean="0">
+                <a:solidFill>
+                  <a:srgbClr val="000000"/>
+                </a:solidFill>
+                <a:latin typeface="Courier New" pitchFamily="49" charset="0"/>
+                <a:cs typeface="Courier New" pitchFamily="49" charset="0"/>
+              </a:rPr>
+              <a:t>     Failure(</a:t>
+            </a:r>
+            <a:r>
+              <a:rPr lang="en-US" sz="1200" b="0" dirty="0" err="1" smtClean="0">
+                <a:solidFill>
+                  <a:srgbClr val="000000"/>
+                </a:solidFill>
+                <a:latin typeface="Courier New" pitchFamily="49" charset="0"/>
+                <a:cs typeface="Courier New" pitchFamily="49" charset="0"/>
+              </a:rPr>
+              <a:t>msg</a:t>
+            </a:r>
+            <a:r>
+              <a:rPr lang="en-US" sz="1200" b="0" dirty="0" smtClean="0">
+                <a:solidFill>
+                  <a:srgbClr val="000000"/>
+                </a:solidFill>
+                <a:latin typeface="Courier New" pitchFamily="49" charset="0"/>
+                <a:cs typeface="Courier New" pitchFamily="49" charset="0"/>
+              </a:rPr>
+              <a:t>, Full(e), Empty)</a:t>
+            </a:r>
+            <a:br>
+              <a:rPr lang="en-US" sz="1200" b="0" dirty="0" smtClean="0">
+                <a:solidFill>
+                  <a:srgbClr val="000000"/>
+                </a:solidFill>
+                <a:latin typeface="Courier New" pitchFamily="49" charset="0"/>
+                <a:cs typeface="Courier New" pitchFamily="49" charset="0"/>
+              </a:rPr>
+            </a:br>
+            <a:r>
+              <a:rPr lang="en-US" sz="1200" b="0" dirty="0" smtClean="0">
+                <a:solidFill>
+                  <a:srgbClr val="000000"/>
+                </a:solidFill>
+                <a:latin typeface="Courier New" pitchFamily="49" charset="0"/>
+                <a:cs typeface="Courier New" pitchFamily="49" charset="0"/>
+              </a:rPr>
+              <a:t> }</a:t>
+            </a:r>
+          </a:p>
+          <a:p>
+            <a:pPr marL="0" indent="0">
+              <a:spcBef>
+                <a:spcPts val="0"/>
+              </a:spcBef>
+              <a:buNone/>
+            </a:pPr>
+            <a:r>
+              <a:rPr lang="en-US" sz="1200" b="0" dirty="0" smtClean="0">
+                <a:solidFill>
+                  <a:srgbClr val="000000"/>
+                </a:solidFill>
+                <a:latin typeface="Courier New" pitchFamily="49" charset="0"/>
+                <a:cs typeface="Courier New" pitchFamily="49" charset="0"/>
               </a:rPr>
               <a:t/>
             </a:r>
             <a:br>
-              <a:rPr lang="en-US" b="0" dirty="0" smtClean="0">
-                <a:solidFill>
-                  <a:srgbClr val="000000"/>
-                </a:solidFill>
+              <a:rPr lang="en-US" sz="1200" b="0" dirty="0" smtClean="0">
+                <a:solidFill>
+                  <a:srgbClr val="000000"/>
+                </a:solidFill>
+                <a:latin typeface="Courier New" pitchFamily="49" charset="0"/>
+                <a:cs typeface="Courier New" pitchFamily="49" charset="0"/>
               </a:rPr>
             </a:br>
-            <a:r>
-              <a:rPr lang="en-US" b="0" dirty="0" smtClean="0">
-                <a:solidFill>
-                  <a:schemeClr val="tx1">
-                    <a:lumMod val="65000"/>
-                    <a:lumOff val="35000"/>
-                  </a:schemeClr>
-                </a:solidFill>
-                <a:latin typeface="Courier New" pitchFamily="49" charset="0"/>
-                <a:cs typeface="Courier New" pitchFamily="49" charset="0"/>
-              </a:rPr>
-              <a:t>// where to search for snippets </a:t>
-            </a:r>
-            <a:r>
-              <a:rPr lang="en-US" b="0" dirty="0" err="1" smtClean="0">
-                <a:solidFill>
-                  <a:srgbClr val="000000"/>
-                </a:solidFill>
-                <a:latin typeface="Courier New" pitchFamily="49" charset="0"/>
-                <a:cs typeface="Courier New" pitchFamily="49" charset="0"/>
-              </a:rPr>
-              <a:t>LiftRules.addToPackages</a:t>
-            </a:r>
-            <a:r>
-              <a:rPr lang="en-US" b="0" dirty="0" smtClean="0">
-                <a:solidFill>
-                  <a:srgbClr val="000000"/>
-                </a:solidFill>
-                <a:latin typeface="Courier New" pitchFamily="49" charset="0"/>
-                <a:cs typeface="Courier New" pitchFamily="49" charset="0"/>
-              </a:rPr>
-              <a:t>(</a:t>
-            </a:r>
-            <a:r>
-              <a:rPr lang="en-US" b="0" dirty="0" smtClean="0">
-                <a:solidFill>
-                  <a:srgbClr val="009100"/>
-                </a:solidFill>
-                <a:latin typeface="Courier New" pitchFamily="49" charset="0"/>
-                <a:cs typeface="Courier New" pitchFamily="49" charset="0"/>
-              </a:rPr>
-              <a:t>"</a:t>
-            </a:r>
-            <a:r>
-              <a:rPr lang="en-US" b="0" dirty="0" err="1" smtClean="0">
-                <a:solidFill>
-                  <a:srgbClr val="009100"/>
-                </a:solidFill>
-                <a:latin typeface="Courier New" pitchFamily="49" charset="0"/>
-                <a:cs typeface="Courier New" pitchFamily="49" charset="0"/>
-              </a:rPr>
-              <a:t>edu.emory.cci.caGrid.liftClient</a:t>
-            </a:r>
-            <a:r>
-              <a:rPr lang="en-US" b="0" dirty="0" smtClean="0">
-                <a:solidFill>
-                  <a:srgbClr val="009100"/>
-                </a:solidFill>
-                <a:latin typeface="Courier New" pitchFamily="49" charset="0"/>
-                <a:cs typeface="Courier New" pitchFamily="49" charset="0"/>
-              </a:rPr>
-              <a:t>"</a:t>
-            </a:r>
-            <a:r>
-              <a:rPr lang="en-US" b="0" dirty="0" smtClean="0">
-                <a:solidFill>
-                  <a:srgbClr val="000000"/>
-                </a:solidFill>
-                <a:latin typeface="Courier New" pitchFamily="49" charset="0"/>
-                <a:cs typeface="Courier New" pitchFamily="49" charset="0"/>
-              </a:rPr>
-              <a:t>)</a:t>
-            </a:r>
-            <a:br>
-              <a:rPr lang="en-US" b="0" dirty="0" smtClean="0">
-                <a:solidFill>
-                  <a:srgbClr val="000000"/>
-                </a:solidFill>
-                <a:latin typeface="Courier New" pitchFamily="49" charset="0"/>
-                <a:cs typeface="Courier New" pitchFamily="49" charset="0"/>
-              </a:rPr>
-            </a:br>
-            <a:r>
-              <a:rPr lang="en-US" b="0" dirty="0" smtClean="0">
-                <a:solidFill>
-                  <a:srgbClr val="000000"/>
-                </a:solidFill>
-                <a:latin typeface="Courier New" pitchFamily="49" charset="0"/>
-                <a:cs typeface="Courier New" pitchFamily="49" charset="0"/>
-              </a:rPr>
-              <a:t/>
-            </a:r>
-            <a:br>
-              <a:rPr lang="en-US" b="0" dirty="0" smtClean="0">
-                <a:solidFill>
-                  <a:srgbClr val="000000"/>
-                </a:solidFill>
-                <a:latin typeface="Courier New" pitchFamily="49" charset="0"/>
-                <a:cs typeface="Courier New" pitchFamily="49" charset="0"/>
-              </a:rPr>
-            </a:br>
-            <a:r>
-              <a:rPr lang="en-US" b="0" dirty="0" smtClean="0">
-                <a:solidFill>
-                  <a:schemeClr val="tx1">
-                    <a:lumMod val="65000"/>
-                    <a:lumOff val="35000"/>
-                  </a:schemeClr>
-                </a:solidFill>
-                <a:latin typeface="Courier New" pitchFamily="49" charset="0"/>
-                <a:cs typeface="Courier New" pitchFamily="49" charset="0"/>
-              </a:rPr>
-              <a:t>// Use HTML5 for rendering</a:t>
-            </a:r>
-            <a:r>
-              <a:rPr lang="en-US" b="0" dirty="0" smtClean="0">
-                <a:solidFill>
-                  <a:srgbClr val="000000"/>
-                </a:solidFill>
-                <a:latin typeface="Courier New" pitchFamily="49" charset="0"/>
-                <a:cs typeface="Courier New" pitchFamily="49" charset="0"/>
-              </a:rPr>
-              <a:t/>
-            </a:r>
-            <a:br>
-              <a:rPr lang="en-US" b="0" dirty="0" smtClean="0">
-                <a:solidFill>
-                  <a:srgbClr val="000000"/>
-                </a:solidFill>
-                <a:latin typeface="Courier New" pitchFamily="49" charset="0"/>
-                <a:cs typeface="Courier New" pitchFamily="49" charset="0"/>
-              </a:rPr>
-            </a:br>
-            <a:r>
-              <a:rPr lang="en-US" b="0" dirty="0" err="1" smtClean="0">
-                <a:solidFill>
-                  <a:srgbClr val="000000"/>
-                </a:solidFill>
-                <a:latin typeface="Courier New" pitchFamily="49" charset="0"/>
-                <a:cs typeface="Courier New" pitchFamily="49" charset="0"/>
-              </a:rPr>
-              <a:t>LiftRules.htmlProperties.default.set</a:t>
-            </a:r>
-            <a:r>
-              <a:rPr lang="en-US" b="0" dirty="0" smtClean="0">
-                <a:solidFill>
-                  <a:srgbClr val="000000"/>
-                </a:solidFill>
-                <a:latin typeface="Courier New" pitchFamily="49" charset="0"/>
-                <a:cs typeface="Courier New" pitchFamily="49" charset="0"/>
-              </a:rPr>
-              <a:t>(</a:t>
-            </a:r>
-            <a:br>
-              <a:rPr lang="en-US" b="0" dirty="0" smtClean="0">
-                <a:solidFill>
-                  <a:srgbClr val="000000"/>
-                </a:solidFill>
-                <a:latin typeface="Courier New" pitchFamily="49" charset="0"/>
-                <a:cs typeface="Courier New" pitchFamily="49" charset="0"/>
-              </a:rPr>
-            </a:br>
-            <a:r>
-              <a:rPr lang="en-US" b="0" dirty="0" smtClean="0">
-                <a:solidFill>
-                  <a:srgbClr val="000000"/>
-                </a:solidFill>
-                <a:latin typeface="Courier New" pitchFamily="49" charset="0"/>
-                <a:cs typeface="Courier New" pitchFamily="49" charset="0"/>
-              </a:rPr>
-              <a:t>               (r:Req) =&gt; new Html5Properties(</a:t>
-            </a:r>
-            <a:r>
-              <a:rPr lang="en-US" b="0" dirty="0" err="1" smtClean="0">
-                <a:solidFill>
-                  <a:srgbClr val="000000"/>
-                </a:solidFill>
-                <a:latin typeface="Courier New" pitchFamily="49" charset="0"/>
-                <a:cs typeface="Courier New" pitchFamily="49" charset="0"/>
-              </a:rPr>
-              <a:t>r.userAgent</a:t>
-            </a:r>
-            <a:r>
-              <a:rPr lang="en-US" b="0" dirty="0" smtClean="0">
-                <a:solidFill>
-                  <a:srgbClr val="000000"/>
-                </a:solidFill>
-                <a:latin typeface="Courier New" pitchFamily="49" charset="0"/>
-                <a:cs typeface="Courier New" pitchFamily="49" charset="0"/>
-              </a:rPr>
-              <a:t>)) </a:t>
-            </a:r>
-            <a:r>
-              <a:rPr lang="en-US" b="0" dirty="0" smtClean="0">
-                <a:solidFill>
-                  <a:srgbClr val="000000"/>
-                </a:solidFill>
-              </a:rPr>
-              <a:t/>
-            </a:r>
-            <a:br>
-              <a:rPr lang="en-US" b="0" dirty="0" smtClean="0">
-                <a:solidFill>
-                  <a:srgbClr val="000000"/>
-                </a:solidFill>
-              </a:rPr>
-            </a:br>
-            <a:endParaRPr lang="en-US" b="0" dirty="0" smtClean="0">
+            <a:endParaRPr lang="en-US" sz="1200" b="0" dirty="0" smtClean="0">
               <a:solidFill>
                 <a:srgbClr val="000000"/>
               </a:solidFill>
+              <a:latin typeface="Courier New" pitchFamily="49" charset="0"/>
+              <a:cs typeface="Courier New" pitchFamily="49" charset="0"/>
             </a:endParaRPr>
           </a:p>
           <a:p>
+            <a:pPr marL="0" indent="0">
+              <a:spcBef>
+                <a:spcPts val="0"/>
+              </a:spcBef>
+            </a:pPr>
             <a:r>
               <a:rPr lang="en-US" dirty="0" smtClean="0">
                 <a:solidFill>
                   <a:srgbClr val="000000"/>
                 </a:solidFill>
-              </a:rPr>
-              <a:t>This combination of named objects and first class methods avoid the need for dependency injection tools such as Spring.</a:t>
-            </a:r>
-          </a:p>
-          <a:p>
-            <a:pPr>
+                <a:cs typeface="Courier New" pitchFamily="49" charset="0"/>
+              </a:rPr>
+              <a:t>Using pattern matching to get the result allows the compiler to verify that cases are covered. </a:t>
+            </a:r>
+            <a:r>
+              <a:rPr lang="en-US" sz="1200" b="0" dirty="0" smtClean="0">
+                <a:solidFill>
+                  <a:srgbClr val="000000"/>
+                </a:solidFill>
+                <a:latin typeface="Courier New" pitchFamily="49" charset="0"/>
+                <a:cs typeface="Courier New" pitchFamily="49" charset="0"/>
+              </a:rPr>
+              <a:t/>
+            </a:r>
+            <a:br>
+              <a:rPr lang="en-US" sz="1200" b="0" dirty="0" smtClean="0">
+                <a:solidFill>
+                  <a:srgbClr val="000000"/>
+                </a:solidFill>
+                <a:latin typeface="Courier New" pitchFamily="49" charset="0"/>
+                <a:cs typeface="Courier New" pitchFamily="49" charset="0"/>
+              </a:rPr>
+            </a:br>
+            <a:r>
+              <a:rPr lang="en-US" sz="1200" b="0" dirty="0" err="1" smtClean="0">
+                <a:solidFill>
+                  <a:srgbClr val="000000"/>
+                </a:solidFill>
+                <a:latin typeface="Courier New" pitchFamily="49" charset="0"/>
+                <a:cs typeface="Courier New" pitchFamily="49" charset="0"/>
+              </a:rPr>
+              <a:t>val</a:t>
+            </a:r>
+            <a:r>
+              <a:rPr lang="en-US" sz="1200" b="0" dirty="0" smtClean="0">
+                <a:solidFill>
+                  <a:srgbClr val="000000"/>
+                </a:solidFill>
+                <a:latin typeface="Courier New" pitchFamily="49" charset="0"/>
+                <a:cs typeface="Courier New" pitchFamily="49" charset="0"/>
+              </a:rPr>
+              <a:t> credentials = </a:t>
+            </a:r>
+            <a:r>
+              <a:rPr lang="en-US" sz="1200" b="0" dirty="0" err="1" smtClean="0">
+                <a:solidFill>
+                  <a:srgbClr val="000000"/>
+                </a:solidFill>
+                <a:latin typeface="Courier New" pitchFamily="49" charset="0"/>
+                <a:cs typeface="Courier New" pitchFamily="49" charset="0"/>
+              </a:rPr>
+              <a:t>CaGrid.credentials.login</a:t>
+            </a:r>
+            <a:r>
+              <a:rPr lang="en-US" sz="1200" b="0" dirty="0" smtClean="0">
+                <a:solidFill>
+                  <a:srgbClr val="000000"/>
+                </a:solidFill>
+                <a:latin typeface="Courier New" pitchFamily="49" charset="0"/>
+                <a:cs typeface="Courier New" pitchFamily="49" charset="0"/>
+              </a:rPr>
+              <a:t>(</a:t>
+            </a:r>
+            <a:r>
+              <a:rPr lang="en-US" sz="1200" b="0" dirty="0" err="1" smtClean="0">
+                <a:solidFill>
+                  <a:srgbClr val="000000"/>
+                </a:solidFill>
+                <a:latin typeface="Courier New" pitchFamily="49" charset="0"/>
+                <a:cs typeface="Courier New" pitchFamily="49" charset="0"/>
+              </a:rPr>
+              <a:t>userName.is</a:t>
+            </a:r>
+            <a:r>
+              <a:rPr lang="en-US" sz="1200" b="0" dirty="0" smtClean="0">
+                <a:solidFill>
+                  <a:srgbClr val="000000"/>
+                </a:solidFill>
+                <a:latin typeface="Courier New" pitchFamily="49" charset="0"/>
+                <a:cs typeface="Courier New" pitchFamily="49" charset="0"/>
+              </a:rPr>
+              <a:t>, </a:t>
+            </a:r>
+            <a:r>
+              <a:rPr lang="en-US" sz="1200" b="0" dirty="0" err="1" smtClean="0">
+                <a:solidFill>
+                  <a:srgbClr val="000000"/>
+                </a:solidFill>
+                <a:latin typeface="Courier New" pitchFamily="49" charset="0"/>
+                <a:cs typeface="Courier New" pitchFamily="49" charset="0"/>
+              </a:rPr>
+              <a:t>pswd</a:t>
+            </a:r>
+            <a:r>
+              <a:rPr lang="en-US" sz="1200" b="0" dirty="0" smtClean="0">
+                <a:solidFill>
+                  <a:srgbClr val="000000"/>
+                </a:solidFill>
+                <a:latin typeface="Courier New" pitchFamily="49" charset="0"/>
+                <a:cs typeface="Courier New" pitchFamily="49" charset="0"/>
+              </a:rPr>
+              <a:t>, </a:t>
+            </a:r>
+            <a:r>
+              <a:rPr lang="en-US" sz="1200" b="0" dirty="0" err="1" smtClean="0">
+                <a:solidFill>
+                  <a:srgbClr val="000000"/>
+                </a:solidFill>
+                <a:latin typeface="Courier New" pitchFamily="49" charset="0"/>
+                <a:cs typeface="Courier New" pitchFamily="49" charset="0"/>
+              </a:rPr>
+              <a:t>lifetimePeriod</a:t>
+            </a:r>
+            <a:r>
+              <a:rPr lang="en-US" sz="1200" b="0" dirty="0" smtClean="0">
+                <a:solidFill>
+                  <a:srgbClr val="000000"/>
+                </a:solidFill>
+                <a:latin typeface="Courier New" pitchFamily="49" charset="0"/>
+                <a:cs typeface="Courier New" pitchFamily="49" charset="0"/>
+              </a:rPr>
+              <a:t>)</a:t>
+            </a:r>
+            <a:br>
+              <a:rPr lang="en-US" sz="1200" b="0" dirty="0" smtClean="0">
+                <a:solidFill>
+                  <a:srgbClr val="000000"/>
+                </a:solidFill>
+                <a:latin typeface="Courier New" pitchFamily="49" charset="0"/>
+                <a:cs typeface="Courier New" pitchFamily="49" charset="0"/>
+              </a:rPr>
+            </a:br>
+            <a:r>
+              <a:rPr lang="en-US" sz="1200" b="0" dirty="0" smtClean="0">
+                <a:solidFill>
+                  <a:srgbClr val="000000"/>
+                </a:solidFill>
+                <a:latin typeface="Courier New" pitchFamily="49" charset="0"/>
+                <a:cs typeface="Courier New" pitchFamily="49" charset="0"/>
+              </a:rPr>
+              <a:t>credentials match {</a:t>
+            </a:r>
+          </a:p>
+          <a:p>
+            <a:pPr marL="0" indent="0">
+              <a:spcBef>
+                <a:spcPts val="0"/>
+              </a:spcBef>
               <a:buNone/>
             </a:pPr>
-            <a:endParaRPr lang="en-US" dirty="0"/>
+            <a:r>
+              <a:rPr lang="en-US" sz="1200" b="0" dirty="0" smtClean="0">
+                <a:solidFill>
+                  <a:srgbClr val="000000"/>
+                </a:solidFill>
+                <a:latin typeface="Courier New" pitchFamily="49" charset="0"/>
+                <a:cs typeface="Courier New" pitchFamily="49" charset="0"/>
+              </a:rPr>
+              <a:t>  </a:t>
+            </a:r>
+            <a:r>
+              <a:rPr lang="en-US" sz="1200" b="0" dirty="0" smtClean="0">
+                <a:solidFill>
+                  <a:srgbClr val="000091"/>
+                </a:solidFill>
+                <a:latin typeface="Courier New" pitchFamily="49" charset="0"/>
+                <a:cs typeface="Courier New" pitchFamily="49" charset="0"/>
+              </a:rPr>
+              <a:t>case</a:t>
+            </a:r>
+            <a:r>
+              <a:rPr lang="en-US" sz="1200" b="0" dirty="0" smtClean="0">
+                <a:solidFill>
+                  <a:srgbClr val="000000"/>
+                </a:solidFill>
+                <a:latin typeface="Courier New" pitchFamily="49" charset="0"/>
+                <a:cs typeface="Courier New" pitchFamily="49" charset="0"/>
+              </a:rPr>
+              <a:t> Full(_) =&gt;</a:t>
+            </a:r>
+          </a:p>
+          <a:p>
+            <a:pPr marL="0" indent="0">
+              <a:spcBef>
+                <a:spcPts val="0"/>
+              </a:spcBef>
+              <a:buNone/>
+            </a:pPr>
+            <a:r>
+              <a:rPr lang="en-US" sz="1200" b="0" dirty="0" smtClean="0">
+                <a:solidFill>
+                  <a:srgbClr val="000000"/>
+                </a:solidFill>
+                <a:latin typeface="Courier New" pitchFamily="49" charset="0"/>
+                <a:cs typeface="Courier New" pitchFamily="49" charset="0"/>
+              </a:rPr>
+              <a:t>    </a:t>
+            </a:r>
+            <a:r>
+              <a:rPr lang="en-US" sz="1200" b="0" dirty="0" err="1" smtClean="0">
+                <a:solidFill>
+                  <a:srgbClr val="000000"/>
+                </a:solidFill>
+                <a:latin typeface="Courier New" pitchFamily="49" charset="0"/>
+                <a:cs typeface="Courier New" pitchFamily="49" charset="0"/>
+              </a:rPr>
+              <a:t>S.notice</a:t>
+            </a:r>
+            <a:r>
+              <a:rPr lang="en-US" sz="1200" b="0" dirty="0" smtClean="0">
+                <a:solidFill>
+                  <a:srgbClr val="000000"/>
+                </a:solidFill>
+                <a:latin typeface="Courier New" pitchFamily="49" charset="0"/>
+                <a:cs typeface="Courier New" pitchFamily="49" charset="0"/>
+              </a:rPr>
+              <a:t>( </a:t>
+            </a:r>
+            <a:r>
+              <a:rPr lang="en-US" sz="1200" b="0" dirty="0" smtClean="0">
+                <a:solidFill>
+                  <a:srgbClr val="009100"/>
+                </a:solidFill>
+                <a:latin typeface="Courier New" pitchFamily="49" charset="0"/>
+                <a:cs typeface="Courier New" pitchFamily="49" charset="0"/>
+              </a:rPr>
+              <a:t>"Login succeeded </a:t>
+            </a:r>
+            <a:r>
+              <a:rPr lang="en-US" sz="1200" b="0" dirty="0" smtClean="0">
+                <a:solidFill>
+                  <a:srgbClr val="000091"/>
+                </a:solidFill>
+                <a:latin typeface="Courier New" pitchFamily="49" charset="0"/>
+                <a:cs typeface="Courier New" pitchFamily="49" charset="0"/>
+              </a:rPr>
+              <a:t>for</a:t>
+            </a:r>
+            <a:r>
+              <a:rPr lang="en-US" sz="1200" b="0" dirty="0" smtClean="0">
+                <a:solidFill>
+                  <a:srgbClr val="009100"/>
+                </a:solidFill>
+                <a:latin typeface="Courier New" pitchFamily="49" charset="0"/>
+                <a:cs typeface="Courier New" pitchFamily="49" charset="0"/>
+              </a:rPr>
+              <a:t> user: "</a:t>
+            </a:r>
+            <a:r>
+              <a:rPr lang="en-US" sz="1200" b="0" dirty="0" smtClean="0">
+                <a:solidFill>
+                  <a:srgbClr val="000000"/>
+                </a:solidFill>
+                <a:latin typeface="Courier New" pitchFamily="49" charset="0"/>
+                <a:cs typeface="Courier New" pitchFamily="49" charset="0"/>
+              </a:rPr>
+              <a:t> + </a:t>
+            </a:r>
+            <a:r>
+              <a:rPr lang="en-US" sz="1200" b="0" dirty="0" err="1" smtClean="0">
+                <a:solidFill>
+                  <a:srgbClr val="000000"/>
+                </a:solidFill>
+                <a:latin typeface="Courier New" pitchFamily="49" charset="0"/>
+                <a:cs typeface="Courier New" pitchFamily="49" charset="0"/>
+              </a:rPr>
+              <a:t>userName.is</a:t>
+            </a:r>
+            <a:r>
+              <a:rPr lang="en-US" sz="1200" b="0" dirty="0" smtClean="0">
+                <a:solidFill>
+                  <a:srgbClr val="000000"/>
+                </a:solidFill>
+                <a:latin typeface="Courier New" pitchFamily="49" charset="0"/>
+                <a:cs typeface="Courier New" pitchFamily="49" charset="0"/>
+              </a:rPr>
+              <a:t> )</a:t>
+            </a:r>
+          </a:p>
+          <a:p>
+            <a:pPr marL="0" indent="0">
+              <a:spcBef>
+                <a:spcPts val="0"/>
+              </a:spcBef>
+              <a:buNone/>
+            </a:pPr>
+            <a:r>
+              <a:rPr lang="en-US" sz="1200" b="0" dirty="0" smtClean="0">
+                <a:solidFill>
+                  <a:srgbClr val="000000"/>
+                </a:solidFill>
+                <a:latin typeface="Courier New" pitchFamily="49" charset="0"/>
+                <a:cs typeface="Courier New" pitchFamily="49" charset="0"/>
+              </a:rPr>
+              <a:t>    </a:t>
+            </a:r>
+            <a:r>
+              <a:rPr lang="en-US" sz="1200" b="0" dirty="0" err="1" smtClean="0">
+                <a:solidFill>
+                  <a:srgbClr val="000000"/>
+                </a:solidFill>
+                <a:latin typeface="Courier New" pitchFamily="49" charset="0"/>
+                <a:cs typeface="Courier New" pitchFamily="49" charset="0"/>
+              </a:rPr>
+              <a:t>S.redirectTo</a:t>
+            </a:r>
+            <a:r>
+              <a:rPr lang="en-US" sz="1200" b="0" dirty="0" smtClean="0">
+                <a:solidFill>
+                  <a:srgbClr val="000000"/>
+                </a:solidFill>
+                <a:latin typeface="Courier New" pitchFamily="49" charset="0"/>
+                <a:cs typeface="Courier New" pitchFamily="49" charset="0"/>
+              </a:rPr>
+              <a:t>(</a:t>
+            </a:r>
+            <a:r>
+              <a:rPr lang="en-US" sz="1200" b="0" dirty="0" smtClean="0">
+                <a:solidFill>
+                  <a:srgbClr val="009100"/>
+                </a:solidFill>
+                <a:latin typeface="Courier New" pitchFamily="49" charset="0"/>
+                <a:cs typeface="Courier New" pitchFamily="49" charset="0"/>
+              </a:rPr>
+              <a:t>"/home“</a:t>
+            </a:r>
+            <a:r>
+              <a:rPr lang="en-US" sz="1200" b="0" dirty="0" smtClean="0">
+                <a:solidFill>
+                  <a:srgbClr val="000000"/>
+                </a:solidFill>
+                <a:latin typeface="Courier New" pitchFamily="49" charset="0"/>
+                <a:cs typeface="Courier New" pitchFamily="49" charset="0"/>
+              </a:rPr>
+              <a:t>)</a:t>
+            </a:r>
+            <a:br>
+              <a:rPr lang="en-US" sz="1200" b="0" dirty="0" smtClean="0">
+                <a:solidFill>
+                  <a:srgbClr val="000000"/>
+                </a:solidFill>
+                <a:latin typeface="Courier New" pitchFamily="49" charset="0"/>
+                <a:cs typeface="Courier New" pitchFamily="49" charset="0"/>
+              </a:rPr>
+            </a:br>
+            <a:r>
+              <a:rPr lang="en-US" sz="1200" b="0" dirty="0" smtClean="0">
+                <a:solidFill>
+                  <a:srgbClr val="000000"/>
+                </a:solidFill>
+                <a:latin typeface="Courier New" pitchFamily="49" charset="0"/>
+                <a:cs typeface="Courier New" pitchFamily="49" charset="0"/>
+              </a:rPr>
+              <a:t/>
+            </a:r>
+            <a:br>
+              <a:rPr lang="en-US" sz="1200" b="0" dirty="0" smtClean="0">
+                <a:solidFill>
+                  <a:srgbClr val="000000"/>
+                </a:solidFill>
+                <a:latin typeface="Courier New" pitchFamily="49" charset="0"/>
+                <a:cs typeface="Courier New" pitchFamily="49" charset="0"/>
+              </a:rPr>
+            </a:br>
+            <a:r>
+              <a:rPr lang="en-US" sz="1200" b="0" dirty="0" smtClean="0">
+                <a:solidFill>
+                  <a:srgbClr val="000000"/>
+                </a:solidFill>
+                <a:latin typeface="Courier New" pitchFamily="49" charset="0"/>
+                <a:cs typeface="Courier New" pitchFamily="49" charset="0"/>
+              </a:rPr>
+              <a:t>  </a:t>
+            </a:r>
+            <a:r>
+              <a:rPr lang="en-US" sz="1200" b="0" dirty="0" smtClean="0">
+                <a:solidFill>
+                  <a:srgbClr val="000091"/>
+                </a:solidFill>
+                <a:latin typeface="Courier New" pitchFamily="49" charset="0"/>
+                <a:cs typeface="Courier New" pitchFamily="49" charset="0"/>
+              </a:rPr>
+              <a:t>case</a:t>
+            </a:r>
+            <a:r>
+              <a:rPr lang="en-US" sz="1200" b="0" dirty="0" smtClean="0">
+                <a:solidFill>
+                  <a:srgbClr val="000000"/>
+                </a:solidFill>
+                <a:latin typeface="Courier New" pitchFamily="49" charset="0"/>
+                <a:cs typeface="Courier New" pitchFamily="49" charset="0"/>
+              </a:rPr>
+              <a:t> Failure(</a:t>
+            </a:r>
+            <a:r>
+              <a:rPr lang="en-US" sz="1200" b="0" dirty="0" err="1" smtClean="0">
+                <a:solidFill>
+                  <a:srgbClr val="000000"/>
+                </a:solidFill>
+                <a:latin typeface="Courier New" pitchFamily="49" charset="0"/>
+                <a:cs typeface="Courier New" pitchFamily="49" charset="0"/>
+              </a:rPr>
+              <a:t>msg</a:t>
+            </a:r>
+            <a:r>
+              <a:rPr lang="en-US" sz="1200" b="0" dirty="0" smtClean="0">
+                <a:solidFill>
+                  <a:srgbClr val="000000"/>
+                </a:solidFill>
+                <a:latin typeface="Courier New" pitchFamily="49" charset="0"/>
+                <a:cs typeface="Courier New" pitchFamily="49" charset="0"/>
+              </a:rPr>
+              <a:t>, </a:t>
+            </a:r>
+            <a:r>
+              <a:rPr lang="en-US" sz="1200" b="0" dirty="0" err="1" smtClean="0">
+                <a:solidFill>
+                  <a:srgbClr val="000000"/>
+                </a:solidFill>
+                <a:latin typeface="Courier New" pitchFamily="49" charset="0"/>
+                <a:cs typeface="Courier New" pitchFamily="49" charset="0"/>
+              </a:rPr>
+              <a:t>excp</a:t>
+            </a:r>
+            <a:r>
+              <a:rPr lang="en-US" sz="1200" b="0" dirty="0" smtClean="0">
+                <a:solidFill>
+                  <a:srgbClr val="000000"/>
+                </a:solidFill>
+                <a:latin typeface="Courier New" pitchFamily="49" charset="0"/>
+                <a:cs typeface="Courier New" pitchFamily="49" charset="0"/>
+              </a:rPr>
+              <a:t>, _) =&gt;</a:t>
+            </a:r>
+            <a:br>
+              <a:rPr lang="en-US" sz="1200" b="0" dirty="0" smtClean="0">
+                <a:solidFill>
+                  <a:srgbClr val="000000"/>
+                </a:solidFill>
+                <a:latin typeface="Courier New" pitchFamily="49" charset="0"/>
+                <a:cs typeface="Courier New" pitchFamily="49" charset="0"/>
+              </a:rPr>
+            </a:br>
+            <a:r>
+              <a:rPr lang="en-US" sz="1200" b="0" dirty="0" smtClean="0">
+                <a:solidFill>
+                  <a:srgbClr val="000000"/>
+                </a:solidFill>
+                <a:latin typeface="Courier New" pitchFamily="49" charset="0"/>
+                <a:cs typeface="Courier New" pitchFamily="49" charset="0"/>
+              </a:rPr>
+              <a:t>    </a:t>
+            </a:r>
+            <a:r>
+              <a:rPr lang="en-US" sz="1200" b="0" dirty="0" err="1" smtClean="0">
+                <a:solidFill>
+                  <a:srgbClr val="000000"/>
+                </a:solidFill>
+                <a:latin typeface="Courier New" pitchFamily="49" charset="0"/>
+                <a:cs typeface="Courier New" pitchFamily="49" charset="0"/>
+              </a:rPr>
+              <a:t>S.error</a:t>
+            </a:r>
+            <a:r>
+              <a:rPr lang="en-US" sz="1200" b="0" dirty="0" smtClean="0">
+                <a:solidFill>
+                  <a:srgbClr val="000000"/>
+                </a:solidFill>
+                <a:latin typeface="Courier New" pitchFamily="49" charset="0"/>
+                <a:cs typeface="Courier New" pitchFamily="49" charset="0"/>
+              </a:rPr>
+              <a:t>(</a:t>
+            </a:r>
+            <a:r>
+              <a:rPr lang="en-US" sz="1200" b="0" dirty="0" err="1" smtClean="0">
+                <a:solidFill>
+                  <a:srgbClr val="000000"/>
+                </a:solidFill>
+                <a:latin typeface="Courier New" pitchFamily="49" charset="0"/>
+                <a:cs typeface="Courier New" pitchFamily="49" charset="0"/>
+              </a:rPr>
+              <a:t>msg</a:t>
+            </a:r>
+            <a:r>
+              <a:rPr lang="en-US" sz="1200" b="0" dirty="0" smtClean="0">
+                <a:solidFill>
+                  <a:srgbClr val="000000"/>
+                </a:solidFill>
+                <a:latin typeface="Courier New" pitchFamily="49" charset="0"/>
+                <a:cs typeface="Courier New" pitchFamily="49" charset="0"/>
+              </a:rPr>
+              <a:t>)</a:t>
+            </a:r>
+            <a:br>
+              <a:rPr lang="en-US" sz="1200" b="0" dirty="0" smtClean="0">
+                <a:solidFill>
+                  <a:srgbClr val="000000"/>
+                </a:solidFill>
+                <a:latin typeface="Courier New" pitchFamily="49" charset="0"/>
+                <a:cs typeface="Courier New" pitchFamily="49" charset="0"/>
+              </a:rPr>
+            </a:br>
+            <a:r>
+              <a:rPr lang="en-US" sz="1200" b="0" dirty="0" smtClean="0">
+                <a:solidFill>
+                  <a:srgbClr val="000000"/>
+                </a:solidFill>
+                <a:latin typeface="Courier New" pitchFamily="49" charset="0"/>
+                <a:cs typeface="Courier New" pitchFamily="49" charset="0"/>
+              </a:rPr>
+              <a:t>}</a:t>
+            </a:r>
           </a:p>
         </p:txBody>
       </p:sp>
@@ -13001,7 +13196,7 @@
   <p:timing>
     <p:tnLst>
       <p:par>
-        <p:cTn xmlns:p14="http://schemas.microsoft.com/office/powerpoint/2010/main" id="1" dur="indefinite" restart="never" nodeType="tmRoot"/>
+        <p:cTn id="1" dur="indefinite" restart="never" nodeType="tmRoot"/>
       </p:par>
     </p:tnLst>
   </p:timing>
@@ -13425,7 +13620,7 @@
   <p:timing>
     <p:tnLst>
       <p:par>
-        <p:cTn xmlns:p14="http://schemas.microsoft.com/office/powerpoint/2010/main" id="1" dur="indefinite" restart="never" nodeType="tmRoot"/>
+        <p:cTn id="1" dur="indefinite" restart="never" nodeType="tmRoot"/>
       </p:par>
     </p:tnLst>
   </p:timing>
@@ -13531,8 +13726,13 @@
           <a:p>
             <a:r>
               <a:rPr lang="en-US" sz="2800" b="0" dirty="0" smtClean="0"/>
-              <a:t>Multi-paradigm – Allows combining multiple programming paradigms using actors and continuations.</a:t>
-            </a:r>
+              <a:t>Multi-paradigm – Allows combining multiple programming </a:t>
+            </a:r>
+            <a:r>
+              <a:rPr lang="en-US" sz="2800" b="0" dirty="0" smtClean="0"/>
+              <a:t>paradigms.</a:t>
+            </a:r>
+            <a:endParaRPr lang="en-US" sz="2800" b="0" dirty="0" smtClean="0"/>
           </a:p>
           <a:p>
             <a:r>
@@ -13566,7 +13766,7 @@
   <p:timing>
     <p:tnLst>
       <p:par>
-        <p:cTn xmlns:p14="http://schemas.microsoft.com/office/powerpoint/2010/main" id="1" dur="indefinite" restart="never" nodeType="tmRoot"/>
+        <p:cTn id="1" dur="indefinite" restart="never" nodeType="tmRoot"/>
       </p:par>
     </p:tnLst>
   </p:timing>
@@ -13638,7 +13838,15 @@
           <a:p>
             <a:r>
               <a:rPr lang="en-US" sz="2800" b="0" dirty="0" smtClean="0"/>
-              <a:t>Scalable Thread-safe programs – the combination of functional programming with immutable collections allows highly scalable thread-safe programs without the need for locks.</a:t>
+              <a:t>Scalable </a:t>
+            </a:r>
+            <a:r>
+              <a:rPr lang="en-US" sz="2800" b="0" dirty="0" smtClean="0"/>
+              <a:t>thread-safe </a:t>
+            </a:r>
+            <a:r>
+              <a:rPr lang="en-US" sz="2800" b="0" dirty="0" smtClean="0"/>
+              <a:t>programs – the combination of functional programming with immutable collections allows highly scalable thread-safe programs without the need for locks.</a:t>
             </a:r>
             <a:endParaRPr lang="en-US" sz="2800" dirty="0" smtClean="0"/>
           </a:p>
@@ -13663,7 +13871,7 @@
     </p:spTree>
     <p:extLst>
       <p:ext uri="{BB962C8B-B14F-4D97-AF65-F5344CB8AC3E}">
-        <p14:creationId xmlns:p14="http://schemas.microsoft.com/office/powerpoint/2010/main" val="2454470688"/>
+        <p14:creationId xmlns:p14="http://schemas.microsoft.com/office/powerpoint/2010/main" xmlns="" val="2454470688"/>
       </p:ext>
     </p:extLst>
   </p:cSld>
@@ -13673,7 +13881,7 @@
   <p:timing>
     <p:tnLst>
       <p:par>
-        <p:cTn xmlns:p14="http://schemas.microsoft.com/office/powerpoint/2010/main" id="1" dur="indefinite" restart="never" nodeType="tmRoot"/>
+        <p:cTn id="1" dur="indefinite" restart="never" nodeType="tmRoot"/>
       </p:par>
     </p:tnLst>
   </p:timing>
@@ -13762,15 +13970,7 @@
           <a:p>
             <a:r>
               <a:rPr lang="en-US" b="0" dirty="0" smtClean="0"/>
-              <a:t>Calling the </a:t>
-            </a:r>
-            <a:r>
-              <a:rPr lang="en-US" b="0" dirty="0" smtClean="0"/>
-              <a:t>caGrid </a:t>
-            </a:r>
-            <a:r>
-              <a:rPr lang="en-US" b="0" dirty="0" smtClean="0"/>
-              <a:t>API from </a:t>
+              <a:t>Calling the caGrid API from </a:t>
             </a:r>
             <a:r>
               <a:rPr lang="en-US" b="0" dirty="0" err="1" smtClean="0"/>
@@ -14605,15 +14805,7 @@
           <a:p>
             <a:r>
               <a:rPr lang="en-US" dirty="0" smtClean="0"/>
-              <a:t>Calling the </a:t>
-            </a:r>
-            <a:r>
-              <a:rPr lang="en-US" dirty="0" smtClean="0"/>
-              <a:t>caGrid </a:t>
-            </a:r>
-            <a:r>
-              <a:rPr lang="en-US" dirty="0" smtClean="0"/>
-              <a:t>API</a:t>
+              <a:t>Calling the caGrid API</a:t>
             </a:r>
             <a:endParaRPr lang="en-US" dirty="0"/>
           </a:p>
@@ -14627,7 +14819,7 @@
   <p:timing>
     <p:tnLst>
       <p:par>
-        <p:cTn xmlns:p14="http://schemas.microsoft.com/office/powerpoint/2010/main" id="1" dur="indefinite" restart="never" nodeType="tmRoot"/>
+        <p:cTn id="1" dur="indefinite" restart="never" nodeType="tmRoot"/>
       </p:par>
     </p:tnLst>
   </p:timing>
@@ -15941,7 +16133,7 @@
   <p:timing>
     <p:tnLst>
       <p:par>
-        <p:cTn xmlns:p14="http://schemas.microsoft.com/office/powerpoint/2010/main" id="1" dur="indefinite" restart="never" nodeType="tmRoot"/>
+        <p:cTn id="1" dur="indefinite" restart="never" nodeType="tmRoot"/>
       </p:par>
     </p:tnLst>
   </p:timing>
@@ -17111,7 +17303,7 @@
   <p:timing>
     <p:tnLst>
       <p:par>
-        <p:cTn xmlns:p14="http://schemas.microsoft.com/office/powerpoint/2010/main" id="1" dur="indefinite" restart="never" nodeType="tmRoot"/>
+        <p:cTn id="1" dur="indefinite" restart="never" nodeType="tmRoot"/>
       </p:par>
     </p:tnLst>
   </p:timing>
@@ -17189,29 +17381,13 @@
           <a:p>
             <a:r>
               <a:rPr lang="en-US" sz="2800" b="0" dirty="0" smtClean="0"/>
-              <a:t>Secure – avoids common vulnerabilities including many of the OWASP (Open Web Application Security </a:t>
-            </a:r>
+              <a:t>Secure – avoids common vulnerabilities including many of the OWASP (Open Web Application Security Project) Top 10</a:t>
+            </a:r>
+          </a:p>
+          <a:p>
             <a:r>
               <a:rPr lang="en-US" sz="2800" b="0" dirty="0" smtClean="0"/>
-              <a:t>Project</a:t>
-            </a:r>
-            <a:r>
-              <a:rPr lang="en-US" sz="2800" b="0" dirty="0" smtClean="0"/>
-              <a:t>) Top 10</a:t>
-            </a:r>
-          </a:p>
-          <a:p>
-            <a:r>
-              <a:rPr lang="en-US" sz="2800" b="0" dirty="0" smtClean="0"/>
-              <a:t>Developer </a:t>
-            </a:r>
-            <a:r>
-              <a:rPr lang="en-US" sz="2800" b="0" dirty="0" smtClean="0"/>
-              <a:t>centric </a:t>
-            </a:r>
-            <a:r>
-              <a:rPr lang="en-US" sz="2800" b="0" dirty="0" smtClean="0"/>
-              <a:t>– Lift apps are fast to build, concise and easy to maintain.</a:t>
+              <a:t>Developer centric – Lift apps are fast to build, concise and easy to maintain.</a:t>
             </a:r>
           </a:p>
           <a:p>
@@ -17230,7 +17406,7 @@
   <p:timing>
     <p:tnLst>
       <p:par>
-        <p:cTn xmlns:p14="http://schemas.microsoft.com/office/powerpoint/2010/main" id="1" dur="indefinite" restart="never" nodeType="tmRoot"/>
+        <p:cTn id="1" dur="indefinite" restart="never" nodeType="tmRoot"/>
       </p:par>
     </p:tnLst>
   </p:timing>
@@ -17300,31 +17476,7 @@
           <a:p>
             <a:r>
               <a:rPr lang="en-US" sz="2800" b="0" dirty="0" smtClean="0"/>
-              <a:t>Interactive like a desktop app – Lift's Comet support is </a:t>
-            </a:r>
-            <a:r>
-              <a:rPr lang="en-US" sz="2800" b="0" dirty="0" smtClean="0"/>
-              <a:t>unparalleled </a:t>
-            </a:r>
-            <a:r>
-              <a:rPr lang="en-US" sz="2800" b="0" dirty="0" smtClean="0"/>
-              <a:t>and Lift's </a:t>
-            </a:r>
-            <a:r>
-              <a:rPr lang="en-US" sz="2800" b="0" dirty="0" smtClean="0"/>
-              <a:t>AJAX </a:t>
-            </a:r>
-            <a:r>
-              <a:rPr lang="en-US" sz="2800" b="0" dirty="0" smtClean="0"/>
-              <a:t>support is </a:t>
-            </a:r>
-            <a:r>
-              <a:rPr lang="en-US" sz="2800" b="0" dirty="0" smtClean="0"/>
-              <a:t>simple to use </a:t>
-            </a:r>
-            <a:r>
-              <a:rPr lang="en-US" sz="2800" b="0" dirty="0" smtClean="0"/>
-              <a:t>and very secure.</a:t>
+              <a:t>Interactive like a desktop app – Lift's Comet support is unparalleled and Lift's AJAX support is simple to use and very secure.</a:t>
             </a:r>
           </a:p>
           <a:p>
@@ -17357,7 +17509,7 @@
     </p:spTree>
     <p:extLst>
       <p:ext uri="{BB962C8B-B14F-4D97-AF65-F5344CB8AC3E}">
-        <p14:creationId xmlns:p14="http://schemas.microsoft.com/office/powerpoint/2010/main" val="4030988999"/>
+        <p14:creationId xmlns:p14="http://schemas.microsoft.com/office/powerpoint/2010/main" xmlns="" val="4030988999"/>
       </p:ext>
     </p:extLst>
   </p:cSld>
@@ -17367,7 +17519,7 @@
   <p:timing>
     <p:tnLst>
       <p:par>
-        <p:cTn xmlns:p14="http://schemas.microsoft.com/office/powerpoint/2010/main" id="1" dur="indefinite" restart="never" nodeType="tmRoot"/>
+        <p:cTn id="1" dur="indefinite" restart="never" nodeType="tmRoot"/>
       </p:par>
     </p:tnLst>
   </p:timing>
